--- a/ppt/multiagent_final.pptx
+++ b/ppt/multiagent_final.pptx
@@ -7,7 +7,21 @@
   <p:sldIdLst>
     <p:sldId id="256" r:id="rId2"/>
     <p:sldId id="257" r:id="rId3"/>
-    <p:sldId id="258" r:id="rId4"/>
+    <p:sldId id="260" r:id="rId4"/>
+    <p:sldId id="259" r:id="rId5"/>
+    <p:sldId id="266" r:id="rId6"/>
+    <p:sldId id="267" r:id="rId7"/>
+    <p:sldId id="268" r:id="rId8"/>
+    <p:sldId id="269" r:id="rId9"/>
+    <p:sldId id="270" r:id="rId10"/>
+    <p:sldId id="271" r:id="rId11"/>
+    <p:sldId id="261" r:id="rId12"/>
+    <p:sldId id="272" r:id="rId13"/>
+    <p:sldId id="262" r:id="rId14"/>
+    <p:sldId id="273" r:id="rId15"/>
+    <p:sldId id="274" r:id="rId16"/>
+    <p:sldId id="263" r:id="rId17"/>
+    <p:sldId id="264" r:id="rId18"/>
   </p:sldIdLst>
   <p:sldSz cx="9144000" cy="6858000" type="screen4x3"/>
   <p:notesSz cx="6858000" cy="9144000"/>
@@ -3114,15 +3128,7 @@
           <a:p>
             <a:r>
               <a:rPr lang="en-US" dirty="0" smtClean="0"/>
-              <a:t>Efficiency Simulation for Bus </a:t>
-            </a:r>
-            <a:r>
-              <a:rPr lang="en-US" dirty="0" smtClean="0"/>
-              <a:t>Traffic </a:t>
-            </a:r>
-            <a:r>
-              <a:rPr lang="en-US" dirty="0" smtClean="0"/>
-              <a:t>in Taipei City</a:t>
+              <a:t>Efficiency Simulation for Bus Traffic in Taipei City</a:t>
             </a:r>
             <a:endParaRPr lang="en-US" dirty="0"/>
           </a:p>
@@ -3173,6 +3179,841 @@
     <p:extLst>
       <p:ext uri="{BB962C8B-B14F-4D97-AF65-F5344CB8AC3E}">
         <p14:creationId xmlns:p14="http://schemas.microsoft.com/office/powerpoint/2010/main" val="657994666"/>
+      </p:ext>
+    </p:extLst>
+  </p:cSld>
+  <p:clrMapOvr>
+    <a:masterClrMapping/>
+  </p:clrMapOvr>
+</p:sld>
+</file>
+
+<file path=ppt/slides/slide10.xml><?xml version="1.0" encoding="utf-8"?>
+<p:sld xmlns:a="http://schemas.openxmlformats.org/drawingml/2006/main" xmlns:r="http://schemas.openxmlformats.org/officeDocument/2006/relationships" xmlns:p="http://schemas.openxmlformats.org/presentationml/2006/main">
+  <p:cSld>
+    <p:spTree>
+      <p:nvGrpSpPr>
+        <p:cNvPr id="1" name=""/>
+        <p:cNvGrpSpPr/>
+        <p:nvPr/>
+      </p:nvGrpSpPr>
+      <p:grpSpPr>
+        <a:xfrm>
+          <a:off x="0" y="0"/>
+          <a:ext cx="0" cy="0"/>
+          <a:chOff x="0" y="0"/>
+          <a:chExt cx="0" cy="0"/>
+        </a:xfrm>
+      </p:grpSpPr>
+      <p:sp>
+        <p:nvSpPr>
+          <p:cNvPr id="2" name="Title 1"/>
+          <p:cNvSpPr>
+            <a:spLocks noGrp="1"/>
+          </p:cNvSpPr>
+          <p:nvPr>
+            <p:ph type="title"/>
+          </p:nvPr>
+        </p:nvSpPr>
+        <p:spPr/>
+        <p:txBody>
+          <a:bodyPr/>
+          <a:lstStyle/>
+          <a:p>
+            <a:r>
+              <a:rPr lang="en-US" dirty="0" smtClean="0"/>
+              <a:t>Traffic</a:t>
+            </a:r>
+            <a:endParaRPr lang="en-US" dirty="0"/>
+          </a:p>
+        </p:txBody>
+      </p:sp>
+      <p:sp>
+        <p:nvSpPr>
+          <p:cNvPr id="3" name="Content Placeholder 2"/>
+          <p:cNvSpPr>
+            <a:spLocks noGrp="1"/>
+          </p:cNvSpPr>
+          <p:nvPr>
+            <p:ph idx="1"/>
+          </p:nvPr>
+        </p:nvSpPr>
+        <p:spPr/>
+        <p:txBody>
+          <a:bodyPr/>
+          <a:lstStyle/>
+          <a:p>
+            <a:endParaRPr lang="en-US" dirty="0"/>
+          </a:p>
+        </p:txBody>
+      </p:sp>
+      <p:pic>
+        <p:nvPicPr>
+          <p:cNvPr id="5" name="Picture 4" descr="螢幕快照 2012-06-21 上午1.23.36.png"/>
+          <p:cNvPicPr>
+            <a:picLocks noChangeAspect="1"/>
+          </p:cNvPicPr>
+          <p:nvPr/>
+        </p:nvPicPr>
+        <p:blipFill>
+          <a:blip r:embed="rId2">
+            <a:extLst>
+              <a:ext uri="{28A0092B-C50C-407E-A947-70E740481C1C}">
+                <a14:useLocalDpi xmlns:a14="http://schemas.microsoft.com/office/drawing/2010/main" val="0"/>
+              </a:ext>
+            </a:extLst>
+          </a:blip>
+          <a:stretch>
+            <a:fillRect/>
+          </a:stretch>
+        </p:blipFill>
+        <p:spPr>
+          <a:xfrm>
+            <a:off x="5791200" y="1371600"/>
+            <a:ext cx="2895600" cy="5486400"/>
+          </a:xfrm>
+          <a:prstGeom prst="rect">
+            <a:avLst/>
+          </a:prstGeom>
+        </p:spPr>
+      </p:pic>
+      <p:pic>
+        <p:nvPicPr>
+          <p:cNvPr id="6" name="Picture 5" descr="螢幕快照 2012-06-21 上午1.25.01.png"/>
+          <p:cNvPicPr>
+            <a:picLocks noChangeAspect="1"/>
+          </p:cNvPicPr>
+          <p:nvPr/>
+        </p:nvPicPr>
+        <p:blipFill>
+          <a:blip r:embed="rId3">
+            <a:extLst>
+              <a:ext uri="{28A0092B-C50C-407E-A947-70E740481C1C}">
+                <a14:useLocalDpi xmlns:a14="http://schemas.microsoft.com/office/drawing/2010/main" val="0"/>
+              </a:ext>
+            </a:extLst>
+          </a:blip>
+          <a:stretch>
+            <a:fillRect/>
+          </a:stretch>
+        </p:blipFill>
+        <p:spPr>
+          <a:xfrm>
+            <a:off x="290689" y="1581464"/>
+            <a:ext cx="5353755" cy="4544699"/>
+          </a:xfrm>
+          <a:prstGeom prst="rect">
+            <a:avLst/>
+          </a:prstGeom>
+        </p:spPr>
+      </p:pic>
+    </p:spTree>
+    <p:extLst>
+      <p:ext uri="{BB962C8B-B14F-4D97-AF65-F5344CB8AC3E}">
+        <p14:creationId xmlns:p14="http://schemas.microsoft.com/office/powerpoint/2010/main" val="1615351584"/>
+      </p:ext>
+    </p:extLst>
+  </p:cSld>
+  <p:clrMapOvr>
+    <a:masterClrMapping/>
+  </p:clrMapOvr>
+  <p:timing>
+    <p:tnLst>
+      <p:par>
+        <p:cTn xmlns:p14="http://schemas.microsoft.com/office/powerpoint/2010/main" id="1" dur="indefinite" restart="never" nodeType="tmRoot"/>
+      </p:par>
+    </p:tnLst>
+  </p:timing>
+</p:sld>
+</file>
+
+<file path=ppt/slides/slide11.xml><?xml version="1.0" encoding="utf-8"?>
+<p:sld xmlns:a="http://schemas.openxmlformats.org/drawingml/2006/main" xmlns:r="http://schemas.openxmlformats.org/officeDocument/2006/relationships" xmlns:p="http://schemas.openxmlformats.org/presentationml/2006/main">
+  <p:cSld>
+    <p:spTree>
+      <p:nvGrpSpPr>
+        <p:cNvPr id="1" name=""/>
+        <p:cNvGrpSpPr/>
+        <p:nvPr/>
+      </p:nvGrpSpPr>
+      <p:grpSpPr>
+        <a:xfrm>
+          <a:off x="0" y="0"/>
+          <a:ext cx="0" cy="0"/>
+          <a:chOff x="0" y="0"/>
+          <a:chExt cx="0" cy="0"/>
+        </a:xfrm>
+      </p:grpSpPr>
+      <p:sp>
+        <p:nvSpPr>
+          <p:cNvPr id="2" name="Title 1"/>
+          <p:cNvSpPr>
+            <a:spLocks noGrp="1"/>
+          </p:cNvSpPr>
+          <p:nvPr>
+            <p:ph type="ctrTitle"/>
+          </p:nvPr>
+        </p:nvSpPr>
+        <p:spPr/>
+        <p:txBody>
+          <a:bodyPr/>
+          <a:lstStyle/>
+          <a:p>
+            <a:r>
+              <a:rPr lang="en-US" dirty="0" smtClean="0"/>
+              <a:t>Agents</a:t>
+            </a:r>
+            <a:endParaRPr lang="en-US" dirty="0"/>
+          </a:p>
+        </p:txBody>
+      </p:sp>
+      <p:sp>
+        <p:nvSpPr>
+          <p:cNvPr id="3" name="Subtitle 2"/>
+          <p:cNvSpPr>
+            <a:spLocks noGrp="1"/>
+          </p:cNvSpPr>
+          <p:nvPr>
+            <p:ph type="subTitle" idx="1"/>
+          </p:nvPr>
+        </p:nvSpPr>
+        <p:spPr/>
+        <p:txBody>
+          <a:bodyPr/>
+          <a:lstStyle/>
+          <a:p>
+            <a:r>
+              <a:rPr lang="en-US" dirty="0" smtClean="0"/>
+              <a:t>Buses</a:t>
+            </a:r>
+          </a:p>
+          <a:p>
+            <a:r>
+              <a:rPr lang="en-US" dirty="0" smtClean="0"/>
+              <a:t>Clients</a:t>
+            </a:r>
+            <a:endParaRPr lang="en-US" dirty="0"/>
+          </a:p>
+        </p:txBody>
+      </p:sp>
+    </p:spTree>
+    <p:extLst>
+      <p:ext uri="{BB962C8B-B14F-4D97-AF65-F5344CB8AC3E}">
+        <p14:creationId xmlns:p14="http://schemas.microsoft.com/office/powerpoint/2010/main" val="2169729050"/>
+      </p:ext>
+    </p:extLst>
+  </p:cSld>
+  <p:clrMapOvr>
+    <a:masterClrMapping/>
+  </p:clrMapOvr>
+  <p:timing>
+    <p:tnLst>
+      <p:par>
+        <p:cTn xmlns:p14="http://schemas.microsoft.com/office/powerpoint/2010/main" id="1" dur="indefinite" restart="never" nodeType="tmRoot"/>
+      </p:par>
+    </p:tnLst>
+  </p:timing>
+</p:sld>
+</file>
+
+<file path=ppt/slides/slide12.xml><?xml version="1.0" encoding="utf-8"?>
+<p:sld xmlns:a="http://schemas.openxmlformats.org/drawingml/2006/main" xmlns:r="http://schemas.openxmlformats.org/officeDocument/2006/relationships" xmlns:p="http://schemas.openxmlformats.org/presentationml/2006/main">
+  <p:cSld>
+    <p:spTree>
+      <p:nvGrpSpPr>
+        <p:cNvPr id="1" name=""/>
+        <p:cNvGrpSpPr/>
+        <p:nvPr/>
+      </p:nvGrpSpPr>
+      <p:grpSpPr>
+        <a:xfrm>
+          <a:off x="0" y="0"/>
+          <a:ext cx="0" cy="0"/>
+          <a:chOff x="0" y="0"/>
+          <a:chExt cx="0" cy="0"/>
+        </a:xfrm>
+      </p:grpSpPr>
+      <p:sp>
+        <p:nvSpPr>
+          <p:cNvPr id="2" name="Title 1"/>
+          <p:cNvSpPr>
+            <a:spLocks noGrp="1"/>
+          </p:cNvSpPr>
+          <p:nvPr>
+            <p:ph type="title"/>
+          </p:nvPr>
+        </p:nvSpPr>
+        <p:spPr/>
+        <p:txBody>
+          <a:bodyPr/>
+          <a:lstStyle/>
+          <a:p>
+            <a:r>
+              <a:rPr lang="en-US" dirty="0" smtClean="0"/>
+              <a:t>Bus Behavior</a:t>
+            </a:r>
+            <a:endParaRPr lang="en-US" dirty="0"/>
+          </a:p>
+        </p:txBody>
+      </p:sp>
+      <p:sp>
+        <p:nvSpPr>
+          <p:cNvPr id="3" name="Content Placeholder 2"/>
+          <p:cNvSpPr>
+            <a:spLocks noGrp="1"/>
+          </p:cNvSpPr>
+          <p:nvPr>
+            <p:ph idx="1"/>
+          </p:nvPr>
+        </p:nvSpPr>
+        <p:spPr/>
+        <p:txBody>
+          <a:bodyPr>
+            <a:normAutofit lnSpcReduction="10000"/>
+          </a:bodyPr>
+          <a:lstStyle/>
+          <a:p>
+            <a:r>
+              <a:rPr lang="en-US" dirty="0" smtClean="0"/>
+              <a:t>A bus manager to handle bus schedules.</a:t>
+            </a:r>
+          </a:p>
+          <a:p>
+            <a:r>
+              <a:rPr lang="en-US" dirty="0" smtClean="0"/>
+              <a:t>After a bus is departed, it will follow the scheduled route with a speed equal to the current road speed.</a:t>
+            </a:r>
+          </a:p>
+          <a:p>
+            <a:r>
+              <a:rPr lang="en-US" dirty="0" smtClean="0"/>
+              <a:t>Bus will park into a node if a scheduled stop is reached, then call if any client wants to get on or off the bus.</a:t>
+            </a:r>
+          </a:p>
+          <a:p>
+            <a:r>
+              <a:rPr lang="en-US" dirty="0" smtClean="0"/>
+              <a:t>Bus will be destroyed after a round trip is finished.</a:t>
+            </a:r>
+          </a:p>
+          <a:p>
+            <a:endParaRPr lang="en-US" dirty="0"/>
+          </a:p>
+        </p:txBody>
+      </p:sp>
+    </p:spTree>
+    <p:extLst>
+      <p:ext uri="{BB962C8B-B14F-4D97-AF65-F5344CB8AC3E}">
+        <p14:creationId xmlns:p14="http://schemas.microsoft.com/office/powerpoint/2010/main" val="1835119873"/>
+      </p:ext>
+    </p:extLst>
+  </p:cSld>
+  <p:clrMapOvr>
+    <a:masterClrMapping/>
+  </p:clrMapOvr>
+  <p:timing>
+    <p:tnLst>
+      <p:par>
+        <p:cTn xmlns:p14="http://schemas.microsoft.com/office/powerpoint/2010/main" id="1" dur="indefinite" restart="never" nodeType="tmRoot"/>
+      </p:par>
+    </p:tnLst>
+  </p:timing>
+</p:sld>
+</file>
+
+<file path=ppt/slides/slide13.xml><?xml version="1.0" encoding="utf-8"?>
+<p:sld xmlns:a="http://schemas.openxmlformats.org/drawingml/2006/main" xmlns:r="http://schemas.openxmlformats.org/officeDocument/2006/relationships" xmlns:p="http://schemas.openxmlformats.org/presentationml/2006/main">
+  <p:cSld>
+    <p:spTree>
+      <p:nvGrpSpPr>
+        <p:cNvPr id="1" name=""/>
+        <p:cNvGrpSpPr/>
+        <p:nvPr/>
+      </p:nvGrpSpPr>
+      <p:grpSpPr>
+        <a:xfrm>
+          <a:off x="0" y="0"/>
+          <a:ext cx="0" cy="0"/>
+          <a:chOff x="0" y="0"/>
+          <a:chExt cx="0" cy="0"/>
+        </a:xfrm>
+      </p:grpSpPr>
+      <p:sp>
+        <p:nvSpPr>
+          <p:cNvPr id="2" name="Title 1"/>
+          <p:cNvSpPr>
+            <a:spLocks noGrp="1"/>
+          </p:cNvSpPr>
+          <p:nvPr>
+            <p:ph type="ctrTitle"/>
+          </p:nvPr>
+        </p:nvSpPr>
+        <p:spPr/>
+        <p:txBody>
+          <a:bodyPr/>
+          <a:lstStyle/>
+          <a:p>
+            <a:r>
+              <a:rPr lang="en-US" dirty="0" smtClean="0"/>
+              <a:t>Simulation</a:t>
+            </a:r>
+            <a:endParaRPr lang="en-US" dirty="0"/>
+          </a:p>
+        </p:txBody>
+      </p:sp>
+      <p:sp>
+        <p:nvSpPr>
+          <p:cNvPr id="3" name="Subtitle 2"/>
+          <p:cNvSpPr>
+            <a:spLocks noGrp="1"/>
+          </p:cNvSpPr>
+          <p:nvPr>
+            <p:ph type="subTitle" idx="1"/>
+          </p:nvPr>
+        </p:nvSpPr>
+        <p:spPr/>
+        <p:txBody>
+          <a:bodyPr/>
+          <a:lstStyle/>
+          <a:p>
+            <a:endParaRPr lang="en-US" dirty="0"/>
+          </a:p>
+        </p:txBody>
+      </p:sp>
+    </p:spTree>
+    <p:extLst>
+      <p:ext uri="{BB962C8B-B14F-4D97-AF65-F5344CB8AC3E}">
+        <p14:creationId xmlns:p14="http://schemas.microsoft.com/office/powerpoint/2010/main" val="2169729050"/>
+      </p:ext>
+    </p:extLst>
+  </p:cSld>
+  <p:clrMapOvr>
+    <a:masterClrMapping/>
+  </p:clrMapOvr>
+  <p:timing>
+    <p:tnLst>
+      <p:par>
+        <p:cTn xmlns:p14="http://schemas.microsoft.com/office/powerpoint/2010/main" id="1" dur="indefinite" restart="never" nodeType="tmRoot"/>
+      </p:par>
+    </p:tnLst>
+  </p:timing>
+</p:sld>
+</file>
+
+<file path=ppt/slides/slide14.xml><?xml version="1.0" encoding="utf-8"?>
+<p:sld xmlns:a="http://schemas.openxmlformats.org/drawingml/2006/main" xmlns:r="http://schemas.openxmlformats.org/officeDocument/2006/relationships" xmlns:p="http://schemas.openxmlformats.org/presentationml/2006/main">
+  <p:cSld>
+    <p:spTree>
+      <p:nvGrpSpPr>
+        <p:cNvPr id="1" name=""/>
+        <p:cNvGrpSpPr/>
+        <p:nvPr/>
+      </p:nvGrpSpPr>
+      <p:grpSpPr>
+        <a:xfrm>
+          <a:off x="0" y="0"/>
+          <a:ext cx="0" cy="0"/>
+          <a:chOff x="0" y="0"/>
+          <a:chExt cx="0" cy="0"/>
+        </a:xfrm>
+      </p:grpSpPr>
+      <p:sp>
+        <p:nvSpPr>
+          <p:cNvPr id="2" name="Title 1"/>
+          <p:cNvSpPr>
+            <a:spLocks noGrp="1"/>
+          </p:cNvSpPr>
+          <p:nvPr>
+            <p:ph type="title"/>
+          </p:nvPr>
+        </p:nvSpPr>
+        <p:spPr/>
+        <p:txBody>
+          <a:bodyPr/>
+          <a:lstStyle/>
+          <a:p>
+            <a:r>
+              <a:rPr lang="en-US" dirty="0" smtClean="0"/>
+              <a:t>Environment Setup</a:t>
+            </a:r>
+            <a:endParaRPr lang="en-US" dirty="0"/>
+          </a:p>
+        </p:txBody>
+      </p:sp>
+      <p:sp>
+        <p:nvSpPr>
+          <p:cNvPr id="3" name="Content Placeholder 2"/>
+          <p:cNvSpPr>
+            <a:spLocks noGrp="1"/>
+          </p:cNvSpPr>
+          <p:nvPr>
+            <p:ph idx="1"/>
+          </p:nvPr>
+        </p:nvSpPr>
+        <p:spPr/>
+        <p:txBody>
+          <a:bodyPr/>
+          <a:lstStyle/>
+          <a:p>
+            <a:r>
+              <a:rPr lang="en-US" dirty="0" smtClean="0"/>
+              <a:t>Simulate every minute (iteration)</a:t>
+            </a:r>
+          </a:p>
+          <a:p>
+            <a:r>
+              <a:rPr lang="en-US" dirty="0" smtClean="0"/>
+              <a:t>10000 minutes (iteration) for each simulation. Total ~ 6.9 hours</a:t>
+            </a:r>
+          </a:p>
+          <a:p>
+            <a:r>
+              <a:rPr lang="en-US" dirty="0" smtClean="0"/>
+              <a:t>Run on three scenarios.</a:t>
+            </a:r>
+          </a:p>
+          <a:p>
+            <a:r>
+              <a:rPr lang="en-US" dirty="0" smtClean="0"/>
+              <a:t>Gaussian distribution for generating clients:</a:t>
+            </a:r>
+          </a:p>
+          <a:p>
+            <a:pPr lvl="1"/>
+            <a:r>
+              <a:rPr lang="en-US" dirty="0" smtClean="0"/>
+              <a:t>Off-peak:</a:t>
+            </a:r>
+          </a:p>
+          <a:p>
+            <a:pPr lvl="1"/>
+            <a:r>
+              <a:rPr lang="en-US" dirty="0" smtClean="0"/>
+              <a:t>Evening &amp; Morning:</a:t>
+            </a:r>
+            <a:endParaRPr lang="en-US" dirty="0"/>
+          </a:p>
+          <a:p>
+            <a:endParaRPr lang="en-US" dirty="0" smtClean="0"/>
+          </a:p>
+          <a:p>
+            <a:endParaRPr lang="en-US" dirty="0"/>
+          </a:p>
+          <a:p>
+            <a:endParaRPr lang="en-US" dirty="0" smtClean="0"/>
+          </a:p>
+        </p:txBody>
+      </p:sp>
+    </p:spTree>
+    <p:extLst>
+      <p:ext uri="{BB962C8B-B14F-4D97-AF65-F5344CB8AC3E}">
+        <p14:creationId xmlns:p14="http://schemas.microsoft.com/office/powerpoint/2010/main" val="2406025056"/>
+      </p:ext>
+    </p:extLst>
+  </p:cSld>
+  <p:clrMapOvr>
+    <a:masterClrMapping/>
+  </p:clrMapOvr>
+</p:sld>
+</file>
+
+<file path=ppt/slides/slide15.xml><?xml version="1.0" encoding="utf-8"?>
+<p:sld xmlns:a="http://schemas.openxmlformats.org/drawingml/2006/main" xmlns:r="http://schemas.openxmlformats.org/officeDocument/2006/relationships" xmlns:p="http://schemas.openxmlformats.org/presentationml/2006/main">
+  <p:cSld>
+    <p:spTree>
+      <p:nvGrpSpPr>
+        <p:cNvPr id="1" name=""/>
+        <p:cNvGrpSpPr/>
+        <p:nvPr/>
+      </p:nvGrpSpPr>
+      <p:grpSpPr>
+        <a:xfrm>
+          <a:off x="0" y="0"/>
+          <a:ext cx="0" cy="0"/>
+          <a:chOff x="0" y="0"/>
+          <a:chExt cx="0" cy="0"/>
+        </a:xfrm>
+      </p:grpSpPr>
+      <p:sp>
+        <p:nvSpPr>
+          <p:cNvPr id="2" name="Title 1"/>
+          <p:cNvSpPr>
+            <a:spLocks noGrp="1"/>
+          </p:cNvSpPr>
+          <p:nvPr>
+            <p:ph type="title"/>
+          </p:nvPr>
+        </p:nvSpPr>
+        <p:spPr/>
+        <p:txBody>
+          <a:bodyPr/>
+          <a:lstStyle/>
+          <a:p>
+            <a:r>
+              <a:rPr lang="en-US" dirty="0" smtClean="0"/>
+              <a:t>Bus Policy</a:t>
+            </a:r>
+            <a:endParaRPr lang="en-US" dirty="0"/>
+          </a:p>
+        </p:txBody>
+      </p:sp>
+      <p:sp>
+        <p:nvSpPr>
+          <p:cNvPr id="3" name="Content Placeholder 2"/>
+          <p:cNvSpPr>
+            <a:spLocks noGrp="1"/>
+          </p:cNvSpPr>
+          <p:nvPr>
+            <p:ph idx="1"/>
+          </p:nvPr>
+        </p:nvSpPr>
+        <p:spPr/>
+        <p:txBody>
+          <a:bodyPr/>
+          <a:lstStyle/>
+          <a:p>
+            <a:r>
+              <a:rPr lang="en-US" dirty="0" smtClean="0"/>
+              <a:t>Three policies are compared:</a:t>
+            </a:r>
+          </a:p>
+          <a:p>
+            <a:pPr lvl="1"/>
+            <a:r>
+              <a:rPr lang="en-US" dirty="0" smtClean="0"/>
+              <a:t>Original Settings: Bus routes in operation now.</a:t>
+            </a:r>
+          </a:p>
+          <a:p>
+            <a:pPr lvl="2"/>
+            <a:r>
+              <a:rPr lang="en-US" dirty="0" smtClean="0"/>
+              <a:t>Total 124 routes</a:t>
+            </a:r>
+          </a:p>
+          <a:p>
+            <a:pPr lvl="1"/>
+            <a:r>
+              <a:rPr lang="en-US" dirty="0" smtClean="0"/>
+              <a:t>Chessboard: The main policy we want to compare.</a:t>
+            </a:r>
+          </a:p>
+          <a:p>
+            <a:pPr lvl="2"/>
+            <a:r>
+              <a:rPr lang="en-US" dirty="0" smtClean="0"/>
+              <a:t>Total only 20 routes</a:t>
+            </a:r>
+          </a:p>
+          <a:p>
+            <a:pPr lvl="2"/>
+            <a:r>
+              <a:rPr lang="en-US" dirty="0" smtClean="0"/>
+              <a:t>1 bus departure/10 min</a:t>
+            </a:r>
+          </a:p>
+          <a:p>
+            <a:pPr lvl="1"/>
+            <a:r>
+              <a:rPr lang="en-US" dirty="0" smtClean="0"/>
+              <a:t>All-pairs: Every route has only two stops.</a:t>
+            </a:r>
+          </a:p>
+          <a:p>
+            <a:pPr lvl="2"/>
+            <a:r>
+              <a:rPr lang="en-US" dirty="0" smtClean="0"/>
+              <a:t>Total 134 routes = # of edges</a:t>
+            </a:r>
+          </a:p>
+          <a:p>
+            <a:pPr lvl="2"/>
+            <a:r>
+              <a:rPr lang="en-US" dirty="0" smtClean="0"/>
+              <a:t>1 bus departure/10 min</a:t>
+            </a:r>
+          </a:p>
+          <a:p>
+            <a:pPr lvl="1"/>
+            <a:endParaRPr lang="en-US" dirty="0" smtClean="0"/>
+          </a:p>
+          <a:p>
+            <a:pPr lvl="1"/>
+            <a:endParaRPr lang="en-US" dirty="0"/>
+          </a:p>
+          <a:p>
+            <a:pPr lvl="1"/>
+            <a:endParaRPr lang="en-US" dirty="0"/>
+          </a:p>
+          <a:p>
+            <a:endParaRPr lang="en-US" dirty="0" smtClean="0"/>
+          </a:p>
+          <a:p>
+            <a:endParaRPr lang="en-US" dirty="0"/>
+          </a:p>
+          <a:p>
+            <a:endParaRPr lang="en-US" dirty="0" smtClean="0"/>
+          </a:p>
+          <a:p>
+            <a:endParaRPr lang="en-US" dirty="0"/>
+          </a:p>
+        </p:txBody>
+      </p:sp>
+    </p:spTree>
+    <p:extLst>
+      <p:ext uri="{BB962C8B-B14F-4D97-AF65-F5344CB8AC3E}">
+        <p14:creationId xmlns:p14="http://schemas.microsoft.com/office/powerpoint/2010/main" val="3939641284"/>
+      </p:ext>
+    </p:extLst>
+  </p:cSld>
+  <p:clrMapOvr>
+    <a:masterClrMapping/>
+  </p:clrMapOvr>
+</p:sld>
+</file>
+
+<file path=ppt/slides/slide16.xml><?xml version="1.0" encoding="utf-8"?>
+<p:sld xmlns:a="http://schemas.openxmlformats.org/drawingml/2006/main" xmlns:r="http://schemas.openxmlformats.org/officeDocument/2006/relationships" xmlns:p="http://schemas.openxmlformats.org/presentationml/2006/main">
+  <p:cSld>
+    <p:spTree>
+      <p:nvGrpSpPr>
+        <p:cNvPr id="1" name=""/>
+        <p:cNvGrpSpPr/>
+        <p:nvPr/>
+      </p:nvGrpSpPr>
+      <p:grpSpPr>
+        <a:xfrm>
+          <a:off x="0" y="0"/>
+          <a:ext cx="0" cy="0"/>
+          <a:chOff x="0" y="0"/>
+          <a:chExt cx="0" cy="0"/>
+        </a:xfrm>
+      </p:grpSpPr>
+      <p:sp>
+        <p:nvSpPr>
+          <p:cNvPr id="2" name="Title 1"/>
+          <p:cNvSpPr>
+            <a:spLocks noGrp="1"/>
+          </p:cNvSpPr>
+          <p:nvPr>
+            <p:ph type="ctrTitle"/>
+          </p:nvPr>
+        </p:nvSpPr>
+        <p:spPr/>
+        <p:txBody>
+          <a:bodyPr/>
+          <a:lstStyle/>
+          <a:p>
+            <a:r>
+              <a:rPr lang="en-US" dirty="0" smtClean="0"/>
+              <a:t>Conclusion</a:t>
+            </a:r>
+            <a:endParaRPr lang="en-US" dirty="0"/>
+          </a:p>
+        </p:txBody>
+      </p:sp>
+      <p:sp>
+        <p:nvSpPr>
+          <p:cNvPr id="3" name="Subtitle 2"/>
+          <p:cNvSpPr>
+            <a:spLocks noGrp="1"/>
+          </p:cNvSpPr>
+          <p:nvPr>
+            <p:ph type="subTitle" idx="1"/>
+          </p:nvPr>
+        </p:nvSpPr>
+        <p:spPr/>
+        <p:txBody>
+          <a:bodyPr/>
+          <a:lstStyle/>
+          <a:p>
+            <a:endParaRPr lang="en-US" dirty="0"/>
+          </a:p>
+        </p:txBody>
+      </p:sp>
+    </p:spTree>
+    <p:extLst>
+      <p:ext uri="{BB962C8B-B14F-4D97-AF65-F5344CB8AC3E}">
+        <p14:creationId xmlns:p14="http://schemas.microsoft.com/office/powerpoint/2010/main" val="1948975067"/>
+      </p:ext>
+    </p:extLst>
+  </p:cSld>
+  <p:clrMapOvr>
+    <a:masterClrMapping/>
+  </p:clrMapOvr>
+  <p:timing>
+    <p:tnLst>
+      <p:par>
+        <p:cTn xmlns:p14="http://schemas.microsoft.com/office/powerpoint/2010/main" id="1" dur="indefinite" restart="never" nodeType="tmRoot"/>
+      </p:par>
+    </p:tnLst>
+  </p:timing>
+</p:sld>
+</file>
+
+<file path=ppt/slides/slide17.xml><?xml version="1.0" encoding="utf-8"?>
+<p:sld xmlns:a="http://schemas.openxmlformats.org/drawingml/2006/main" xmlns:r="http://schemas.openxmlformats.org/officeDocument/2006/relationships" xmlns:p="http://schemas.openxmlformats.org/presentationml/2006/main">
+  <p:cSld>
+    <p:spTree>
+      <p:nvGrpSpPr>
+        <p:cNvPr id="1" name=""/>
+        <p:cNvGrpSpPr/>
+        <p:nvPr/>
+      </p:nvGrpSpPr>
+      <p:grpSpPr>
+        <a:xfrm>
+          <a:off x="0" y="0"/>
+          <a:ext cx="0" cy="0"/>
+          <a:chOff x="0" y="0"/>
+          <a:chExt cx="0" cy="0"/>
+        </a:xfrm>
+      </p:grpSpPr>
+      <p:sp>
+        <p:nvSpPr>
+          <p:cNvPr id="2" name="Title 1"/>
+          <p:cNvSpPr>
+            <a:spLocks noGrp="1"/>
+          </p:cNvSpPr>
+          <p:nvPr>
+            <p:ph type="ctrTitle"/>
+          </p:nvPr>
+        </p:nvSpPr>
+        <p:spPr/>
+        <p:txBody>
+          <a:bodyPr/>
+          <a:lstStyle/>
+          <a:p>
+            <a:r>
+              <a:rPr lang="en-US" dirty="0" smtClean="0"/>
+              <a:t>Thank you</a:t>
+            </a:r>
+            <a:endParaRPr lang="en-US" dirty="0"/>
+          </a:p>
+        </p:txBody>
+      </p:sp>
+      <p:sp>
+        <p:nvSpPr>
+          <p:cNvPr id="3" name="Subtitle 2"/>
+          <p:cNvSpPr>
+            <a:spLocks noGrp="1"/>
+          </p:cNvSpPr>
+          <p:nvPr>
+            <p:ph type="subTitle" idx="1"/>
+          </p:nvPr>
+        </p:nvSpPr>
+        <p:spPr/>
+        <p:txBody>
+          <a:bodyPr/>
+          <a:lstStyle/>
+          <a:p>
+            <a:endParaRPr lang="en-US" dirty="0"/>
+          </a:p>
+        </p:txBody>
+      </p:sp>
+    </p:spTree>
+    <p:extLst>
+      <p:ext uri="{BB962C8B-B14F-4D97-AF65-F5344CB8AC3E}">
+        <p14:creationId xmlns:p14="http://schemas.microsoft.com/office/powerpoint/2010/main" val="1948975067"/>
       </p:ext>
     </p:extLst>
   </p:cSld>
@@ -3329,47 +4170,834 @@
             <a:spLocks noGrp="1"/>
           </p:cNvSpPr>
           <p:nvPr>
-            <p:ph type="title"/>
-          </p:nvPr>
-        </p:nvSpPr>
-        <p:spPr/>
-        <p:txBody>
-          <a:bodyPr/>
-          <a:lstStyle/>
-          <a:p>
-            <a:endParaRPr lang="en-US"/>
-          </a:p>
-        </p:txBody>
-      </p:sp>
-      <p:sp>
-        <p:nvSpPr>
-          <p:cNvPr id="3" name="Content Placeholder 2"/>
-          <p:cNvSpPr>
-            <a:spLocks noGrp="1"/>
-          </p:cNvSpPr>
-          <p:nvPr>
-            <p:ph idx="1"/>
-          </p:nvPr>
-        </p:nvSpPr>
-        <p:spPr/>
-        <p:txBody>
-          <a:bodyPr/>
-          <a:lstStyle/>
-          <a:p>
-            <a:endParaRPr lang="en-US"/>
+            <p:ph type="ctrTitle"/>
+          </p:nvPr>
+        </p:nvSpPr>
+        <p:spPr/>
+        <p:txBody>
+          <a:bodyPr/>
+          <a:lstStyle/>
+          <a:p>
+            <a:r>
+              <a:rPr lang="en-US" dirty="0" smtClean="0"/>
+              <a:t>Objective</a:t>
+            </a:r>
+            <a:endParaRPr lang="en-US" dirty="0"/>
+          </a:p>
+        </p:txBody>
+      </p:sp>
+      <p:sp>
+        <p:nvSpPr>
+          <p:cNvPr id="3" name="Subtitle 2"/>
+          <p:cNvSpPr>
+            <a:spLocks noGrp="1"/>
+          </p:cNvSpPr>
+          <p:nvPr>
+            <p:ph type="subTitle" idx="1"/>
+          </p:nvPr>
+        </p:nvSpPr>
+        <p:spPr/>
+        <p:txBody>
+          <a:bodyPr/>
+          <a:lstStyle/>
+          <a:p>
+            <a:endParaRPr lang="en-US" dirty="0"/>
           </a:p>
         </p:txBody>
       </p:sp>
     </p:spTree>
     <p:extLst>
       <p:ext uri="{BB962C8B-B14F-4D97-AF65-F5344CB8AC3E}">
-        <p14:creationId xmlns:p14="http://schemas.microsoft.com/office/powerpoint/2010/main" val="591859229"/>
+        <p14:creationId xmlns:p14="http://schemas.microsoft.com/office/powerpoint/2010/main" val="1320652892"/>
       </p:ext>
     </p:extLst>
   </p:cSld>
   <p:clrMapOvr>
     <a:masterClrMapping/>
   </p:clrMapOvr>
+  <p:timing>
+    <p:tnLst>
+      <p:par>
+        <p:cTn xmlns:p14="http://schemas.microsoft.com/office/powerpoint/2010/main" id="1" dur="indefinite" restart="never" nodeType="tmRoot"/>
+      </p:par>
+    </p:tnLst>
+  </p:timing>
+</p:sld>
+</file>
+
+<file path=ppt/slides/slide4.xml><?xml version="1.0" encoding="utf-8"?>
+<p:sld xmlns:a="http://schemas.openxmlformats.org/drawingml/2006/main" xmlns:r="http://schemas.openxmlformats.org/officeDocument/2006/relationships" xmlns:p="http://schemas.openxmlformats.org/presentationml/2006/main">
+  <p:cSld>
+    <p:spTree>
+      <p:nvGrpSpPr>
+        <p:cNvPr id="1" name=""/>
+        <p:cNvGrpSpPr/>
+        <p:nvPr/>
+      </p:nvGrpSpPr>
+      <p:grpSpPr>
+        <a:xfrm>
+          <a:off x="0" y="0"/>
+          <a:ext cx="0" cy="0"/>
+          <a:chOff x="0" y="0"/>
+          <a:chExt cx="0" cy="0"/>
+        </a:xfrm>
+      </p:grpSpPr>
+      <p:sp>
+        <p:nvSpPr>
+          <p:cNvPr id="2" name="Title 1"/>
+          <p:cNvSpPr>
+            <a:spLocks noGrp="1"/>
+          </p:cNvSpPr>
+          <p:nvPr>
+            <p:ph type="ctrTitle"/>
+          </p:nvPr>
+        </p:nvSpPr>
+        <p:spPr/>
+        <p:txBody>
+          <a:bodyPr/>
+          <a:lstStyle/>
+          <a:p>
+            <a:r>
+              <a:rPr lang="en-US" dirty="0" smtClean="0"/>
+              <a:t>Collecting Data</a:t>
+            </a:r>
+            <a:endParaRPr lang="en-US" dirty="0"/>
+          </a:p>
+        </p:txBody>
+      </p:sp>
+      <p:sp>
+        <p:nvSpPr>
+          <p:cNvPr id="3" name="Subtitle 2"/>
+          <p:cNvSpPr>
+            <a:spLocks noGrp="1"/>
+          </p:cNvSpPr>
+          <p:nvPr>
+            <p:ph type="subTitle" idx="1"/>
+          </p:nvPr>
+        </p:nvSpPr>
+        <p:spPr/>
+        <p:txBody>
+          <a:bodyPr/>
+          <a:lstStyle/>
+          <a:p>
+            <a:endParaRPr lang="en-US" dirty="0"/>
+          </a:p>
+        </p:txBody>
+      </p:sp>
+    </p:spTree>
+    <p:extLst>
+      <p:ext uri="{BB962C8B-B14F-4D97-AF65-F5344CB8AC3E}">
+        <p14:creationId xmlns:p14="http://schemas.microsoft.com/office/powerpoint/2010/main" val="429716362"/>
+      </p:ext>
+    </p:extLst>
+  </p:cSld>
+  <p:clrMapOvr>
+    <a:masterClrMapping/>
+  </p:clrMapOvr>
+  <p:timing>
+    <p:tnLst>
+      <p:par>
+        <p:cTn xmlns:p14="http://schemas.microsoft.com/office/powerpoint/2010/main" id="1" dur="indefinite" restart="never" nodeType="tmRoot"/>
+      </p:par>
+    </p:tnLst>
+  </p:timing>
+</p:sld>
+</file>
+
+<file path=ppt/slides/slide5.xml><?xml version="1.0" encoding="utf-8"?>
+<p:sld xmlns:a="http://schemas.openxmlformats.org/drawingml/2006/main" xmlns:r="http://schemas.openxmlformats.org/officeDocument/2006/relationships" xmlns:p="http://schemas.openxmlformats.org/presentationml/2006/main">
+  <p:cSld>
+    <p:spTree>
+      <p:nvGrpSpPr>
+        <p:cNvPr id="1" name=""/>
+        <p:cNvGrpSpPr/>
+        <p:nvPr/>
+      </p:nvGrpSpPr>
+      <p:grpSpPr>
+        <a:xfrm>
+          <a:off x="0" y="0"/>
+          <a:ext cx="0" cy="0"/>
+          <a:chOff x="0" y="0"/>
+          <a:chExt cx="0" cy="0"/>
+        </a:xfrm>
+      </p:grpSpPr>
+      <p:sp>
+        <p:nvSpPr>
+          <p:cNvPr id="2" name="Title 1"/>
+          <p:cNvSpPr>
+            <a:spLocks noGrp="1"/>
+          </p:cNvSpPr>
+          <p:nvPr>
+            <p:ph type="title"/>
+          </p:nvPr>
+        </p:nvSpPr>
+        <p:spPr/>
+        <p:txBody>
+          <a:bodyPr/>
+          <a:lstStyle/>
+          <a:p>
+            <a:r>
+              <a:rPr lang="en-US" dirty="0" smtClean="0"/>
+              <a:t>Collecting Data</a:t>
+            </a:r>
+            <a:endParaRPr lang="en-US" dirty="0"/>
+          </a:p>
+        </p:txBody>
+      </p:sp>
+      <p:sp>
+        <p:nvSpPr>
+          <p:cNvPr id="3" name="Content Placeholder 2"/>
+          <p:cNvSpPr>
+            <a:spLocks noGrp="1"/>
+          </p:cNvSpPr>
+          <p:nvPr>
+            <p:ph idx="1"/>
+          </p:nvPr>
+        </p:nvSpPr>
+        <p:spPr/>
+        <p:txBody>
+          <a:bodyPr>
+            <a:normAutofit fontScale="92500" lnSpcReduction="10000"/>
+          </a:bodyPr>
+          <a:lstStyle/>
+          <a:p>
+            <a:r>
+              <a:rPr lang="en-US" dirty="0" smtClean="0"/>
+              <a:t>For more real case simulation, we need:</a:t>
+            </a:r>
+          </a:p>
+          <a:p>
+            <a:pPr lvl="1"/>
+            <a:r>
+              <a:rPr lang="en-US" dirty="0" smtClean="0"/>
+              <a:t>Simplified Taipei City Graph (nodes, edges)</a:t>
+            </a:r>
+          </a:p>
+          <a:p>
+            <a:pPr lvl="1"/>
+            <a:r>
+              <a:rPr lang="en-US" dirty="0" smtClean="0"/>
+              <a:t>Distance between each two nodes.</a:t>
+            </a:r>
+          </a:p>
+          <a:p>
+            <a:pPr lvl="1"/>
+            <a:r>
+              <a:rPr lang="en-US" dirty="0" smtClean="0"/>
+              <a:t>The current traffic information</a:t>
+            </a:r>
+          </a:p>
+          <a:p>
+            <a:pPr lvl="1"/>
+            <a:r>
+              <a:rPr lang="en-US" dirty="0" smtClean="0"/>
+              <a:t>Real Taipei bus routes in operation (include departure intervals)</a:t>
+            </a:r>
+          </a:p>
+          <a:p>
+            <a:pPr lvl="1"/>
+            <a:r>
+              <a:rPr lang="en-US" dirty="0" smtClean="0"/>
+              <a:t>Traffic information</a:t>
+            </a:r>
+          </a:p>
+          <a:p>
+            <a:pPr lvl="1"/>
+            <a:endParaRPr lang="en-US" dirty="0"/>
+          </a:p>
+          <a:p>
+            <a:r>
+              <a:rPr lang="en-US" dirty="0" smtClean="0"/>
+              <a:t>They are all available but</a:t>
+            </a:r>
+            <a:r>
+              <a:rPr lang="en-US" dirty="0" smtClean="0"/>
+              <a:t>…</a:t>
+            </a:r>
+            <a:endParaRPr lang="en-US" dirty="0" smtClean="0"/>
+          </a:p>
+          <a:p>
+            <a:r>
+              <a:rPr lang="en-US" dirty="0" smtClean="0"/>
+              <a:t>They are hard to get automatically.</a:t>
+            </a:r>
+            <a:endParaRPr lang="en-US" dirty="0"/>
+          </a:p>
+        </p:txBody>
+      </p:sp>
+    </p:spTree>
+    <p:extLst>
+      <p:ext uri="{BB962C8B-B14F-4D97-AF65-F5344CB8AC3E}">
+        <p14:creationId xmlns:p14="http://schemas.microsoft.com/office/powerpoint/2010/main" val="1156864230"/>
+      </p:ext>
+    </p:extLst>
+  </p:cSld>
+  <p:clrMapOvr>
+    <a:masterClrMapping/>
+  </p:clrMapOvr>
+  <p:timing>
+    <p:tnLst>
+      <p:par>
+        <p:cTn xmlns:p14="http://schemas.microsoft.com/office/powerpoint/2010/main" id="1" dur="indefinite" restart="never" nodeType="tmRoot"/>
+      </p:par>
+    </p:tnLst>
+  </p:timing>
+</p:sld>
+</file>
+
+<file path=ppt/slides/slide6.xml><?xml version="1.0" encoding="utf-8"?>
+<p:sld xmlns:a="http://schemas.openxmlformats.org/drawingml/2006/main" xmlns:r="http://schemas.openxmlformats.org/officeDocument/2006/relationships" xmlns:p="http://schemas.openxmlformats.org/presentationml/2006/main">
+  <p:cSld>
+    <p:spTree>
+      <p:nvGrpSpPr>
+        <p:cNvPr id="1" name=""/>
+        <p:cNvGrpSpPr/>
+        <p:nvPr/>
+      </p:nvGrpSpPr>
+      <p:grpSpPr>
+        <a:xfrm>
+          <a:off x="0" y="0"/>
+          <a:ext cx="0" cy="0"/>
+          <a:chOff x="0" y="0"/>
+          <a:chExt cx="0" cy="0"/>
+        </a:xfrm>
+      </p:grpSpPr>
+      <p:sp>
+        <p:nvSpPr>
+          <p:cNvPr id="2" name="Title 1"/>
+          <p:cNvSpPr>
+            <a:spLocks noGrp="1"/>
+          </p:cNvSpPr>
+          <p:nvPr>
+            <p:ph type="title"/>
+          </p:nvPr>
+        </p:nvSpPr>
+        <p:spPr/>
+        <p:txBody>
+          <a:bodyPr/>
+          <a:lstStyle/>
+          <a:p>
+            <a:r>
+              <a:rPr lang="en-US" dirty="0" smtClean="0"/>
+              <a:t>Parser</a:t>
+            </a:r>
+            <a:endParaRPr lang="en-US" dirty="0"/>
+          </a:p>
+        </p:txBody>
+      </p:sp>
+      <p:sp>
+        <p:nvSpPr>
+          <p:cNvPr id="3" name="Content Placeholder 2"/>
+          <p:cNvSpPr>
+            <a:spLocks noGrp="1"/>
+          </p:cNvSpPr>
+          <p:nvPr>
+            <p:ph idx="1"/>
+          </p:nvPr>
+        </p:nvSpPr>
+        <p:spPr>
+          <a:xfrm>
+            <a:off x="457199" y="1600200"/>
+            <a:ext cx="8418167" cy="4525963"/>
+          </a:xfrm>
+        </p:spPr>
+        <p:txBody>
+          <a:bodyPr>
+            <a:normAutofit fontScale="92500" lnSpcReduction="10000"/>
+          </a:bodyPr>
+          <a:lstStyle/>
+          <a:p>
+            <a:r>
+              <a:rPr lang="en-US" dirty="0" smtClean="0"/>
+              <a:t>The most powerful parser in the world.</a:t>
+            </a:r>
+          </a:p>
+          <a:p>
+            <a:r>
+              <a:rPr lang="en-US" dirty="0" smtClean="0"/>
+              <a:t>Workers’ Wisdom sometimes is easier than A.I.</a:t>
+            </a:r>
+          </a:p>
+          <a:p>
+            <a:r>
+              <a:rPr lang="en-US" dirty="0" smtClean="0"/>
+              <a:t>Hand-coded data are collecting from several sources:</a:t>
+            </a:r>
+          </a:p>
+          <a:p>
+            <a:pPr lvl="1"/>
+            <a:r>
+              <a:rPr lang="en-US" dirty="0" smtClean="0"/>
+              <a:t>Google Map</a:t>
+            </a:r>
+          </a:p>
+          <a:p>
+            <a:pPr lvl="1"/>
+            <a:r>
+              <a:rPr lang="en-US" dirty="0" smtClean="0"/>
+              <a:t>Taipei public transportation office</a:t>
+            </a:r>
+            <a:endParaRPr lang="en-US" dirty="0"/>
+          </a:p>
+          <a:p>
+            <a:endParaRPr lang="en-US" dirty="0" smtClean="0"/>
+          </a:p>
+          <a:p>
+            <a:r>
+              <a:rPr lang="en-US" dirty="0" smtClean="0"/>
+              <a:t>Statistics:</a:t>
+            </a:r>
+          </a:p>
+          <a:p>
+            <a:pPr lvl="1"/>
+            <a:r>
+              <a:rPr lang="en-US" dirty="0" smtClean="0"/>
+              <a:t>75 </a:t>
+            </a:r>
+            <a:r>
+              <a:rPr lang="en-US" dirty="0"/>
+              <a:t>nodes, 134 edges, 125 bus routes</a:t>
+            </a:r>
+          </a:p>
+          <a:p>
+            <a:endParaRPr lang="en-US" dirty="0"/>
+          </a:p>
+        </p:txBody>
+      </p:sp>
+    </p:spTree>
+    <p:extLst>
+      <p:ext uri="{BB962C8B-B14F-4D97-AF65-F5344CB8AC3E}">
+        <p14:creationId xmlns:p14="http://schemas.microsoft.com/office/powerpoint/2010/main" val="3748268008"/>
+      </p:ext>
+    </p:extLst>
+  </p:cSld>
+  <p:clrMapOvr>
+    <a:masterClrMapping/>
+  </p:clrMapOvr>
+  <p:timing>
+    <p:tnLst>
+      <p:par>
+        <p:cTn xmlns:p14="http://schemas.microsoft.com/office/powerpoint/2010/main" id="1" dur="indefinite" restart="never" nodeType="tmRoot"/>
+      </p:par>
+    </p:tnLst>
+  </p:timing>
+</p:sld>
+</file>
+
+<file path=ppt/slides/slide7.xml><?xml version="1.0" encoding="utf-8"?>
+<p:sld xmlns:a="http://schemas.openxmlformats.org/drawingml/2006/main" xmlns:r="http://schemas.openxmlformats.org/officeDocument/2006/relationships" xmlns:p="http://schemas.openxmlformats.org/presentationml/2006/main">
+  <p:cSld>
+    <p:spTree>
+      <p:nvGrpSpPr>
+        <p:cNvPr id="1" name=""/>
+        <p:cNvGrpSpPr/>
+        <p:nvPr/>
+      </p:nvGrpSpPr>
+      <p:grpSpPr>
+        <a:xfrm>
+          <a:off x="0" y="0"/>
+          <a:ext cx="0" cy="0"/>
+          <a:chOff x="0" y="0"/>
+          <a:chExt cx="0" cy="0"/>
+        </a:xfrm>
+      </p:grpSpPr>
+      <p:sp>
+        <p:nvSpPr>
+          <p:cNvPr id="2" name="Title 1"/>
+          <p:cNvSpPr>
+            <a:spLocks noGrp="1"/>
+          </p:cNvSpPr>
+          <p:nvPr>
+            <p:ph type="title"/>
+          </p:nvPr>
+        </p:nvSpPr>
+        <p:spPr/>
+        <p:txBody>
+          <a:bodyPr/>
+          <a:lstStyle/>
+          <a:p>
+            <a:r>
+              <a:rPr lang="en-US" dirty="0" smtClean="0"/>
+              <a:t>Map</a:t>
+            </a:r>
+            <a:endParaRPr lang="en-US" dirty="0"/>
+          </a:p>
+        </p:txBody>
+      </p:sp>
+      <p:sp>
+        <p:nvSpPr>
+          <p:cNvPr id="3" name="Content Placeholder 2"/>
+          <p:cNvSpPr>
+            <a:spLocks noGrp="1"/>
+          </p:cNvSpPr>
+          <p:nvPr>
+            <p:ph idx="1"/>
+          </p:nvPr>
+        </p:nvSpPr>
+        <p:spPr/>
+        <p:txBody>
+          <a:bodyPr/>
+          <a:lstStyle/>
+          <a:p>
+            <a:endParaRPr lang="en-US" dirty="0"/>
+          </a:p>
+        </p:txBody>
+      </p:sp>
+      <p:pic>
+        <p:nvPicPr>
+          <p:cNvPr id="5" name="Picture 4" descr="GraphExample.png"/>
+          <p:cNvPicPr>
+            <a:picLocks noChangeAspect="1"/>
+          </p:cNvPicPr>
+          <p:nvPr/>
+        </p:nvPicPr>
+        <p:blipFill>
+          <a:blip r:embed="rId2">
+            <a:extLst>
+              <a:ext uri="{28A0092B-C50C-407E-A947-70E740481C1C}">
+                <a14:useLocalDpi xmlns:a14="http://schemas.microsoft.com/office/drawing/2010/main" val="0"/>
+              </a:ext>
+            </a:extLst>
+          </a:blip>
+          <a:stretch>
+            <a:fillRect/>
+          </a:stretch>
+        </p:blipFill>
+        <p:spPr>
+          <a:xfrm>
+            <a:off x="4853979" y="3120096"/>
+            <a:ext cx="4424945" cy="3144257"/>
+          </a:xfrm>
+          <a:prstGeom prst="rect">
+            <a:avLst/>
+          </a:prstGeom>
+        </p:spPr>
+      </p:pic>
+      <p:pic>
+        <p:nvPicPr>
+          <p:cNvPr id="4" name="Picture 3" descr="螢幕快照 2012-06-21 上午1.16.51.png"/>
+          <p:cNvPicPr>
+            <a:picLocks noChangeAspect="1"/>
+          </p:cNvPicPr>
+          <p:nvPr/>
+        </p:nvPicPr>
+        <p:blipFill>
+          <a:blip r:embed="rId3">
+            <a:extLst>
+              <a:ext uri="{28A0092B-C50C-407E-A947-70E740481C1C}">
+                <a14:useLocalDpi xmlns:a14="http://schemas.microsoft.com/office/drawing/2010/main" val="0"/>
+              </a:ext>
+            </a:extLst>
+          </a:blip>
+          <a:stretch>
+            <a:fillRect/>
+          </a:stretch>
+        </p:blipFill>
+        <p:spPr>
+          <a:xfrm>
+            <a:off x="207073" y="1785418"/>
+            <a:ext cx="4853979" cy="3525311"/>
+          </a:xfrm>
+          <a:prstGeom prst="rect">
+            <a:avLst/>
+          </a:prstGeom>
+        </p:spPr>
+      </p:pic>
+    </p:spTree>
+    <p:extLst>
+      <p:ext uri="{BB962C8B-B14F-4D97-AF65-F5344CB8AC3E}">
+        <p14:creationId xmlns:p14="http://schemas.microsoft.com/office/powerpoint/2010/main" val="4171797489"/>
+      </p:ext>
+    </p:extLst>
+  </p:cSld>
+  <p:clrMapOvr>
+    <a:masterClrMapping/>
+  </p:clrMapOvr>
+  <p:timing>
+    <p:tnLst>
+      <p:par>
+        <p:cTn xmlns:p14="http://schemas.microsoft.com/office/powerpoint/2010/main" id="1" dur="indefinite" restart="never" nodeType="tmRoot"/>
+      </p:par>
+    </p:tnLst>
+  </p:timing>
+</p:sld>
+</file>
+
+<file path=ppt/slides/slide8.xml><?xml version="1.0" encoding="utf-8"?>
+<p:sld xmlns:a="http://schemas.openxmlformats.org/drawingml/2006/main" xmlns:r="http://schemas.openxmlformats.org/officeDocument/2006/relationships" xmlns:p="http://schemas.openxmlformats.org/presentationml/2006/main">
+  <p:cSld>
+    <p:spTree>
+      <p:nvGrpSpPr>
+        <p:cNvPr id="1" name=""/>
+        <p:cNvGrpSpPr/>
+        <p:nvPr/>
+      </p:nvGrpSpPr>
+      <p:grpSpPr>
+        <a:xfrm>
+          <a:off x="0" y="0"/>
+          <a:ext cx="0" cy="0"/>
+          <a:chOff x="0" y="0"/>
+          <a:chExt cx="0" cy="0"/>
+        </a:xfrm>
+      </p:grpSpPr>
+      <p:sp>
+        <p:nvSpPr>
+          <p:cNvPr id="2" name="Title 1"/>
+          <p:cNvSpPr>
+            <a:spLocks noGrp="1"/>
+          </p:cNvSpPr>
+          <p:nvPr>
+            <p:ph type="title"/>
+          </p:nvPr>
+        </p:nvSpPr>
+        <p:spPr/>
+        <p:txBody>
+          <a:bodyPr/>
+          <a:lstStyle/>
+          <a:p>
+            <a:r>
+              <a:rPr lang="en-US" dirty="0" smtClean="0"/>
+              <a:t>Nodes &amp; Edges</a:t>
+            </a:r>
+            <a:endParaRPr lang="en-US" dirty="0"/>
+          </a:p>
+        </p:txBody>
+      </p:sp>
+      <p:sp>
+        <p:nvSpPr>
+          <p:cNvPr id="3" name="Content Placeholder 2"/>
+          <p:cNvSpPr>
+            <a:spLocks noGrp="1"/>
+          </p:cNvSpPr>
+          <p:nvPr>
+            <p:ph idx="1"/>
+          </p:nvPr>
+        </p:nvSpPr>
+        <p:spPr/>
+        <p:txBody>
+          <a:bodyPr/>
+          <a:lstStyle/>
+          <a:p>
+            <a:endParaRPr lang="en-US"/>
+          </a:p>
+        </p:txBody>
+      </p:sp>
+      <p:pic>
+        <p:nvPicPr>
+          <p:cNvPr id="4" name="Picture 3" descr="螢幕快照 2012-06-21 上午1.19.22.png"/>
+          <p:cNvPicPr>
+            <a:picLocks noChangeAspect="1"/>
+          </p:cNvPicPr>
+          <p:nvPr/>
+        </p:nvPicPr>
+        <p:blipFill>
+          <a:blip r:embed="rId2">
+            <a:extLst>
+              <a:ext uri="{28A0092B-C50C-407E-A947-70E740481C1C}">
+                <a14:useLocalDpi xmlns:a14="http://schemas.microsoft.com/office/drawing/2010/main" val="0"/>
+              </a:ext>
+            </a:extLst>
+          </a:blip>
+          <a:stretch>
+            <a:fillRect/>
+          </a:stretch>
+        </p:blipFill>
+        <p:spPr>
+          <a:xfrm>
+            <a:off x="1237051" y="1417638"/>
+            <a:ext cx="3551204" cy="5440362"/>
+          </a:xfrm>
+          <a:prstGeom prst="rect">
+            <a:avLst/>
+          </a:prstGeom>
+        </p:spPr>
+      </p:pic>
+      <p:pic>
+        <p:nvPicPr>
+          <p:cNvPr id="5" name="Picture 4" descr="螢幕快照 2012-06-21 上午1.19.41.png"/>
+          <p:cNvPicPr>
+            <a:picLocks noChangeAspect="1"/>
+          </p:cNvPicPr>
+          <p:nvPr/>
+        </p:nvPicPr>
+        <p:blipFill>
+          <a:blip r:embed="rId3">
+            <a:extLst>
+              <a:ext uri="{28A0092B-C50C-407E-A947-70E740481C1C}">
+                <a14:useLocalDpi xmlns:a14="http://schemas.microsoft.com/office/drawing/2010/main" val="0"/>
+              </a:ext>
+            </a:extLst>
+          </a:blip>
+          <a:stretch>
+            <a:fillRect/>
+          </a:stretch>
+        </p:blipFill>
+        <p:spPr>
+          <a:xfrm>
+            <a:off x="5339985" y="1409700"/>
+            <a:ext cx="3048000" cy="5448300"/>
+          </a:xfrm>
+          <a:prstGeom prst="rect">
+            <a:avLst/>
+          </a:prstGeom>
+        </p:spPr>
+      </p:pic>
+    </p:spTree>
+    <p:extLst>
+      <p:ext uri="{BB962C8B-B14F-4D97-AF65-F5344CB8AC3E}">
+        <p14:creationId xmlns:p14="http://schemas.microsoft.com/office/powerpoint/2010/main" val="770860973"/>
+      </p:ext>
+    </p:extLst>
+  </p:cSld>
+  <p:clrMapOvr>
+    <a:masterClrMapping/>
+  </p:clrMapOvr>
+  <p:timing>
+    <p:tnLst>
+      <p:par>
+        <p:cTn xmlns:p14="http://schemas.microsoft.com/office/powerpoint/2010/main" id="1" dur="indefinite" restart="never" nodeType="tmRoot"/>
+      </p:par>
+    </p:tnLst>
+  </p:timing>
+</p:sld>
+</file>
+
+<file path=ppt/slides/slide9.xml><?xml version="1.0" encoding="utf-8"?>
+<p:sld xmlns:a="http://schemas.openxmlformats.org/drawingml/2006/main" xmlns:r="http://schemas.openxmlformats.org/officeDocument/2006/relationships" xmlns:p="http://schemas.openxmlformats.org/presentationml/2006/main">
+  <p:cSld>
+    <p:spTree>
+      <p:nvGrpSpPr>
+        <p:cNvPr id="1" name=""/>
+        <p:cNvGrpSpPr/>
+        <p:nvPr/>
+      </p:nvGrpSpPr>
+      <p:grpSpPr>
+        <a:xfrm>
+          <a:off x="0" y="0"/>
+          <a:ext cx="0" cy="0"/>
+          <a:chOff x="0" y="0"/>
+          <a:chExt cx="0" cy="0"/>
+        </a:xfrm>
+      </p:grpSpPr>
+      <p:sp>
+        <p:nvSpPr>
+          <p:cNvPr id="2" name="Title 1"/>
+          <p:cNvSpPr>
+            <a:spLocks noGrp="1"/>
+          </p:cNvSpPr>
+          <p:nvPr>
+            <p:ph type="title"/>
+          </p:nvPr>
+        </p:nvSpPr>
+        <p:spPr/>
+        <p:txBody>
+          <a:bodyPr/>
+          <a:lstStyle/>
+          <a:p>
+            <a:r>
+              <a:rPr lang="en-US" dirty="0" smtClean="0"/>
+              <a:t>Bus routes &amp; Interval</a:t>
+            </a:r>
+            <a:endParaRPr lang="en-US" dirty="0"/>
+          </a:p>
+        </p:txBody>
+      </p:sp>
+      <p:sp>
+        <p:nvSpPr>
+          <p:cNvPr id="3" name="Content Placeholder 2"/>
+          <p:cNvSpPr>
+            <a:spLocks noGrp="1"/>
+          </p:cNvSpPr>
+          <p:nvPr>
+            <p:ph idx="1"/>
+          </p:nvPr>
+        </p:nvSpPr>
+        <p:spPr/>
+        <p:txBody>
+          <a:bodyPr/>
+          <a:lstStyle/>
+          <a:p>
+            <a:endParaRPr lang="en-US"/>
+          </a:p>
+        </p:txBody>
+      </p:sp>
+      <p:pic>
+        <p:nvPicPr>
+          <p:cNvPr id="4" name="Picture 3" descr="螢幕快照 2012-06-21 上午1.21.46.png"/>
+          <p:cNvPicPr>
+            <a:picLocks noChangeAspect="1"/>
+          </p:cNvPicPr>
+          <p:nvPr/>
+        </p:nvPicPr>
+        <p:blipFill>
+          <a:blip r:embed="rId2">
+            <a:extLst>
+              <a:ext uri="{28A0092B-C50C-407E-A947-70E740481C1C}">
+                <a14:useLocalDpi xmlns:a14="http://schemas.microsoft.com/office/drawing/2010/main" val="0"/>
+              </a:ext>
+            </a:extLst>
+          </a:blip>
+          <a:stretch>
+            <a:fillRect/>
+          </a:stretch>
+        </p:blipFill>
+        <p:spPr>
+          <a:xfrm>
+            <a:off x="6583975" y="1417638"/>
+            <a:ext cx="1917700" cy="5041900"/>
+          </a:xfrm>
+          <a:prstGeom prst="rect">
+            <a:avLst/>
+          </a:prstGeom>
+        </p:spPr>
+      </p:pic>
+      <p:pic>
+        <p:nvPicPr>
+          <p:cNvPr id="5" name="Picture 4" descr="螢幕快照 2012-06-21 上午1.21.29.png"/>
+          <p:cNvPicPr>
+            <a:picLocks noChangeAspect="1"/>
+          </p:cNvPicPr>
+          <p:nvPr/>
+        </p:nvPicPr>
+        <p:blipFill>
+          <a:blip r:embed="rId3">
+            <a:extLst>
+              <a:ext uri="{28A0092B-C50C-407E-A947-70E740481C1C}">
+                <a14:useLocalDpi xmlns:a14="http://schemas.microsoft.com/office/drawing/2010/main" val="0"/>
+              </a:ext>
+            </a:extLst>
+          </a:blip>
+          <a:stretch>
+            <a:fillRect/>
+          </a:stretch>
+        </p:blipFill>
+        <p:spPr>
+          <a:xfrm>
+            <a:off x="1053560" y="1417638"/>
+            <a:ext cx="5530415" cy="5040906"/>
+          </a:xfrm>
+          <a:prstGeom prst="rect">
+            <a:avLst/>
+          </a:prstGeom>
+        </p:spPr>
+      </p:pic>
+    </p:spTree>
+    <p:extLst>
+      <p:ext uri="{BB962C8B-B14F-4D97-AF65-F5344CB8AC3E}">
+        <p14:creationId xmlns:p14="http://schemas.microsoft.com/office/powerpoint/2010/main" val="3594877957"/>
+      </p:ext>
+    </p:extLst>
+  </p:cSld>
+  <p:clrMapOvr>
+    <a:masterClrMapping/>
+  </p:clrMapOvr>
+  <p:timing>
+    <p:tnLst>
+      <p:par>
+        <p:cTn xmlns:p14="http://schemas.microsoft.com/office/powerpoint/2010/main" id="1" dur="indefinite" restart="never" nodeType="tmRoot"/>
+      </p:par>
+    </p:tnLst>
+  </p:timing>
 </p:sld>
 </file>
 

--- a/ppt/multiagent_final.pptx
+++ b/ppt/multiagent_final.pptx
@@ -20,8 +20,11 @@
     <p:sldId id="262" r:id="rId14"/>
     <p:sldId id="273" r:id="rId15"/>
     <p:sldId id="274" r:id="rId16"/>
-    <p:sldId id="263" r:id="rId17"/>
-    <p:sldId id="264" r:id="rId18"/>
+    <p:sldId id="276" r:id="rId17"/>
+    <p:sldId id="277" r:id="rId18"/>
+    <p:sldId id="275" r:id="rId19"/>
+    <p:sldId id="263" r:id="rId20"/>
+    <p:sldId id="264" r:id="rId21"/>
   </p:sldIdLst>
   <p:sldSz cx="9144000" cy="6858000" type="screen4x3"/>
   <p:notesSz cx="6858000" cy="9144000"/>
@@ -3682,14 +3685,30 @@
             <a:pPr lvl="1"/>
             <a:r>
               <a:rPr lang="en-US" dirty="0" smtClean="0"/>
-              <a:t>Off-peak:</a:t>
+              <a:t>Off-peak: mean 1.2, </a:t>
+            </a:r>
+            <a:r>
+              <a:rPr lang="en-US" dirty="0" err="1" smtClean="0"/>
+              <a:t>var</a:t>
+            </a:r>
+            <a:r>
+              <a:rPr lang="en-US" dirty="0" smtClean="0"/>
+              <a:t>: 0.5</a:t>
             </a:r>
           </a:p>
           <a:p>
             <a:pPr lvl="1"/>
             <a:r>
               <a:rPr lang="en-US" dirty="0" smtClean="0"/>
-              <a:t>Evening &amp; Morning:</a:t>
+              <a:t>Evening &amp; Morning: mean 3.6, </a:t>
+            </a:r>
+            <a:r>
+              <a:rPr lang="en-US" dirty="0" err="1" smtClean="0"/>
+              <a:t>var</a:t>
+            </a:r>
+            <a:r>
+              <a:rPr lang="en-US" dirty="0" smtClean="0"/>
+              <a:t>: 0.5</a:t>
             </a:r>
             <a:endParaRPr lang="en-US" dirty="0"/>
           </a:p>
@@ -3714,6 +3733,13 @@
   <p:clrMapOvr>
     <a:masterClrMapping/>
   </p:clrMapOvr>
+  <p:timing>
+    <p:tnLst>
+      <p:par>
+        <p:cTn xmlns:p14="http://schemas.microsoft.com/office/powerpoint/2010/main" id="1" dur="indefinite" restart="never" nodeType="tmRoot"/>
+      </p:par>
+    </p:tnLst>
+  </p:timing>
 </p:sld>
 </file>
 
@@ -3869,6 +3895,13 @@
   <p:clrMapOvr>
     <a:masterClrMapping/>
   </p:clrMapOvr>
+  <p:timing>
+    <p:tnLst>
+      <p:par>
+        <p:cTn xmlns:p14="http://schemas.microsoft.com/office/powerpoint/2010/main" id="1" dur="indefinite" restart="never" nodeType="tmRoot"/>
+      </p:par>
+    </p:tnLst>
+  </p:timing>
 </p:sld>
 </file>
 
@@ -3896,17 +3929,21 @@
             <a:spLocks noGrp="1"/>
           </p:cNvSpPr>
           <p:nvPr>
-            <p:ph type="ctrTitle"/>
-          </p:nvPr>
-        </p:nvSpPr>
-        <p:spPr/>
-        <p:txBody>
-          <a:bodyPr/>
-          <a:lstStyle/>
-          <a:p>
-            <a:r>
-              <a:rPr lang="en-US" dirty="0" smtClean="0"/>
-              <a:t>Conclusion</a:t>
+            <p:ph type="title"/>
+          </p:nvPr>
+        </p:nvSpPr>
+        <p:spPr/>
+        <p:txBody>
+          <a:bodyPr/>
+          <a:lstStyle/>
+          <a:p>
+            <a:r>
+              <a:rPr lang="en-US" dirty="0" smtClean="0"/>
+              <a:t>Result - </a:t>
+            </a:r>
+            <a:r>
+              <a:rPr lang="en-US" dirty="0" err="1" smtClean="0"/>
+              <a:t>Offpeak</a:t>
             </a:r>
             <a:endParaRPr lang="en-US" dirty="0"/>
           </a:p>
@@ -3914,12 +3951,12 @@
       </p:sp>
       <p:sp>
         <p:nvSpPr>
-          <p:cNvPr id="3" name="Subtitle 2"/>
-          <p:cNvSpPr>
-            <a:spLocks noGrp="1"/>
-          </p:cNvSpPr>
-          <p:nvPr>
-            <p:ph type="subTitle" idx="1"/>
+          <p:cNvPr id="3" name="Content Placeholder 2"/>
+          <p:cNvSpPr>
+            <a:spLocks noGrp="1"/>
+          </p:cNvSpPr>
+          <p:nvPr>
+            <p:ph idx="1"/>
           </p:nvPr>
         </p:nvSpPr>
         <p:spPr/>
@@ -3931,10 +3968,259 @@
           </a:p>
         </p:txBody>
       </p:sp>
+      <p:sp>
+        <p:nvSpPr>
+          <p:cNvPr id="7" name="TextBox 6"/>
+          <p:cNvSpPr txBox="1"/>
+          <p:nvPr/>
+        </p:nvSpPr>
+        <p:spPr>
+          <a:xfrm>
+            <a:off x="207073" y="2236560"/>
+            <a:ext cx="980146" cy="369332"/>
+          </a:xfrm>
+          <a:prstGeom prst="rect">
+            <a:avLst/>
+          </a:prstGeom>
+        </p:spPr>
+        <p:style>
+          <a:lnRef idx="2">
+            <a:schemeClr val="accent2">
+              <a:shade val="50000"/>
+            </a:schemeClr>
+          </a:lnRef>
+          <a:fillRef idx="1">
+            <a:schemeClr val="accent2"/>
+          </a:fillRef>
+          <a:effectRef idx="0">
+            <a:schemeClr val="accent2"/>
+          </a:effectRef>
+          <a:fontRef idx="minor">
+            <a:schemeClr val="lt1"/>
+          </a:fontRef>
+        </p:style>
+        <p:txBody>
+          <a:bodyPr wrap="square" rtlCol="0">
+            <a:spAutoFit/>
+          </a:bodyPr>
+          <a:lstStyle/>
+          <a:p>
+            <a:r>
+              <a:rPr lang="en-US" dirty="0" smtClean="0">
+                <a:solidFill>
+                  <a:srgbClr val="000000"/>
+                </a:solidFill>
+              </a:rPr>
+              <a:t>Original</a:t>
+            </a:r>
+            <a:endParaRPr lang="en-US" dirty="0">
+              <a:solidFill>
+                <a:srgbClr val="000000"/>
+              </a:solidFill>
+            </a:endParaRPr>
+          </a:p>
+        </p:txBody>
+      </p:sp>
+      <p:sp>
+        <p:nvSpPr>
+          <p:cNvPr id="8" name="TextBox 7"/>
+          <p:cNvSpPr txBox="1"/>
+          <p:nvPr/>
+        </p:nvSpPr>
+        <p:spPr>
+          <a:xfrm>
+            <a:off x="3146519" y="2239254"/>
+            <a:ext cx="883511" cy="369332"/>
+          </a:xfrm>
+          <a:prstGeom prst="rect">
+            <a:avLst/>
+          </a:prstGeom>
+        </p:spPr>
+        <p:style>
+          <a:lnRef idx="2">
+            <a:schemeClr val="accent2">
+              <a:shade val="50000"/>
+            </a:schemeClr>
+          </a:lnRef>
+          <a:fillRef idx="1">
+            <a:schemeClr val="accent2"/>
+          </a:fillRef>
+          <a:effectRef idx="0">
+            <a:schemeClr val="accent2"/>
+          </a:effectRef>
+          <a:fontRef idx="minor">
+            <a:schemeClr val="lt1"/>
+          </a:fontRef>
+        </p:style>
+        <p:txBody>
+          <a:bodyPr wrap="square" rtlCol="0">
+            <a:spAutoFit/>
+          </a:bodyPr>
+          <a:lstStyle/>
+          <a:p>
+            <a:r>
+              <a:rPr lang="en-US" dirty="0" smtClean="0">
+                <a:solidFill>
+                  <a:srgbClr val="000000"/>
+                </a:solidFill>
+              </a:rPr>
+              <a:t>Chess</a:t>
+            </a:r>
+            <a:endParaRPr lang="en-US" dirty="0">
+              <a:solidFill>
+                <a:srgbClr val="000000"/>
+              </a:solidFill>
+            </a:endParaRPr>
+          </a:p>
+        </p:txBody>
+      </p:sp>
+      <p:sp>
+        <p:nvSpPr>
+          <p:cNvPr id="9" name="TextBox 8"/>
+          <p:cNvSpPr txBox="1"/>
+          <p:nvPr/>
+        </p:nvSpPr>
+        <p:spPr>
+          <a:xfrm>
+            <a:off x="6165754" y="2236560"/>
+            <a:ext cx="883511" cy="369332"/>
+          </a:xfrm>
+          <a:prstGeom prst="rect">
+            <a:avLst/>
+          </a:prstGeom>
+        </p:spPr>
+        <p:style>
+          <a:lnRef idx="2">
+            <a:schemeClr val="accent2">
+              <a:shade val="50000"/>
+            </a:schemeClr>
+          </a:lnRef>
+          <a:fillRef idx="1">
+            <a:schemeClr val="accent2"/>
+          </a:fillRef>
+          <a:effectRef idx="0">
+            <a:schemeClr val="accent2"/>
+          </a:effectRef>
+          <a:fontRef idx="minor">
+            <a:schemeClr val="lt1"/>
+          </a:fontRef>
+        </p:style>
+        <p:txBody>
+          <a:bodyPr wrap="square" rtlCol="0">
+            <a:spAutoFit/>
+          </a:bodyPr>
+          <a:lstStyle/>
+          <a:p>
+            <a:r>
+              <a:rPr lang="en-US" dirty="0" err="1" smtClean="0">
+                <a:solidFill>
+                  <a:srgbClr val="000000"/>
+                </a:solidFill>
+              </a:rPr>
+              <a:t>Allpair</a:t>
+            </a:r>
+            <a:endParaRPr lang="en-US" dirty="0">
+              <a:solidFill>
+                <a:srgbClr val="000000"/>
+              </a:solidFill>
+            </a:endParaRPr>
+          </a:p>
+        </p:txBody>
+      </p:sp>
+      <p:pic>
+        <p:nvPicPr>
+          <p:cNvPr id="10" name="Picture 9" descr="螢幕快照 2012-06-21 上午3.26.59.png"/>
+          <p:cNvPicPr>
+            <a:picLocks noChangeAspect="1"/>
+          </p:cNvPicPr>
+          <p:nvPr/>
+        </p:nvPicPr>
+        <p:blipFill>
+          <a:blip r:embed="rId2">
+            <a:extLst>
+              <a:ext uri="{28A0092B-C50C-407E-A947-70E740481C1C}">
+                <a14:useLocalDpi xmlns:a14="http://schemas.microsoft.com/office/drawing/2010/main" val="0"/>
+              </a:ext>
+            </a:extLst>
+          </a:blip>
+          <a:stretch>
+            <a:fillRect/>
+          </a:stretch>
+        </p:blipFill>
+        <p:spPr>
+          <a:xfrm>
+            <a:off x="3146519" y="2605892"/>
+            <a:ext cx="2879524" cy="2143282"/>
+          </a:xfrm>
+          <a:prstGeom prst="rect">
+            <a:avLst/>
+          </a:prstGeom>
+        </p:spPr>
+      </p:pic>
+      <p:pic>
+        <p:nvPicPr>
+          <p:cNvPr id="11" name="Picture 10" descr="螢幕快照 2012-06-21 上午3.27.06.png"/>
+          <p:cNvPicPr>
+            <a:picLocks noChangeAspect="1"/>
+          </p:cNvPicPr>
+          <p:nvPr/>
+        </p:nvPicPr>
+        <p:blipFill>
+          <a:blip r:embed="rId3">
+            <a:extLst>
+              <a:ext uri="{28A0092B-C50C-407E-A947-70E740481C1C}">
+                <a14:useLocalDpi xmlns:a14="http://schemas.microsoft.com/office/drawing/2010/main" val="0"/>
+              </a:ext>
+            </a:extLst>
+          </a:blip>
+          <a:stretch>
+            <a:fillRect/>
+          </a:stretch>
+        </p:blipFill>
+        <p:spPr>
+          <a:xfrm>
+            <a:off x="6165754" y="2608586"/>
+            <a:ext cx="2813110" cy="2140588"/>
+          </a:xfrm>
+          <a:prstGeom prst="rect">
+            <a:avLst/>
+          </a:prstGeom>
+        </p:spPr>
+      </p:pic>
+      <p:pic>
+        <p:nvPicPr>
+          <p:cNvPr id="12" name="Picture 11" descr="螢幕快照 2012-06-21 上午3.26.52.png"/>
+          <p:cNvPicPr>
+            <a:picLocks noChangeAspect="1"/>
+          </p:cNvPicPr>
+          <p:nvPr/>
+        </p:nvPicPr>
+        <p:blipFill>
+          <a:blip r:embed="rId4">
+            <a:extLst>
+              <a:ext uri="{28A0092B-C50C-407E-A947-70E740481C1C}">
+                <a14:useLocalDpi xmlns:a14="http://schemas.microsoft.com/office/drawing/2010/main" val="0"/>
+              </a:ext>
+            </a:extLst>
+          </a:blip>
+          <a:stretch>
+            <a:fillRect/>
+          </a:stretch>
+        </p:blipFill>
+        <p:spPr>
+          <a:xfrm>
+            <a:off x="207073" y="2608586"/>
+            <a:ext cx="2837524" cy="2140588"/>
+          </a:xfrm>
+          <a:prstGeom prst="rect">
+            <a:avLst/>
+          </a:prstGeom>
+        </p:spPr>
+      </p:pic>
     </p:spTree>
     <p:extLst>
       <p:ext uri="{BB962C8B-B14F-4D97-AF65-F5344CB8AC3E}">
-        <p14:creationId xmlns:p14="http://schemas.microsoft.com/office/powerpoint/2010/main" val="1948975067"/>
+        <p14:creationId xmlns:p14="http://schemas.microsoft.com/office/powerpoint/2010/main" val="1624967662"/>
       </p:ext>
     </p:extLst>
   </p:cSld>
@@ -3975,6 +4261,662 @@
             <a:spLocks noGrp="1"/>
           </p:cNvSpPr>
           <p:nvPr>
+            <p:ph type="title"/>
+          </p:nvPr>
+        </p:nvSpPr>
+        <p:spPr/>
+        <p:txBody>
+          <a:bodyPr/>
+          <a:lstStyle/>
+          <a:p>
+            <a:r>
+              <a:rPr lang="en-US" dirty="0" smtClean="0"/>
+              <a:t>Result - Morning</a:t>
+            </a:r>
+            <a:endParaRPr lang="en-US" dirty="0"/>
+          </a:p>
+        </p:txBody>
+      </p:sp>
+      <p:sp>
+        <p:nvSpPr>
+          <p:cNvPr id="7" name="TextBox 6"/>
+          <p:cNvSpPr txBox="1"/>
+          <p:nvPr/>
+        </p:nvSpPr>
+        <p:spPr>
+          <a:xfrm>
+            <a:off x="207073" y="2236560"/>
+            <a:ext cx="980146" cy="369332"/>
+          </a:xfrm>
+          <a:prstGeom prst="rect">
+            <a:avLst/>
+          </a:prstGeom>
+        </p:spPr>
+        <p:style>
+          <a:lnRef idx="2">
+            <a:schemeClr val="accent2">
+              <a:shade val="50000"/>
+            </a:schemeClr>
+          </a:lnRef>
+          <a:fillRef idx="1">
+            <a:schemeClr val="accent2"/>
+          </a:fillRef>
+          <a:effectRef idx="0">
+            <a:schemeClr val="accent2"/>
+          </a:effectRef>
+          <a:fontRef idx="minor">
+            <a:schemeClr val="lt1"/>
+          </a:fontRef>
+        </p:style>
+        <p:txBody>
+          <a:bodyPr wrap="square" rtlCol="0">
+            <a:spAutoFit/>
+          </a:bodyPr>
+          <a:lstStyle/>
+          <a:p>
+            <a:r>
+              <a:rPr lang="en-US" dirty="0" smtClean="0">
+                <a:solidFill>
+                  <a:srgbClr val="000000"/>
+                </a:solidFill>
+              </a:rPr>
+              <a:t>Original</a:t>
+            </a:r>
+            <a:endParaRPr lang="en-US" dirty="0">
+              <a:solidFill>
+                <a:srgbClr val="000000"/>
+              </a:solidFill>
+            </a:endParaRPr>
+          </a:p>
+        </p:txBody>
+      </p:sp>
+      <p:sp>
+        <p:nvSpPr>
+          <p:cNvPr id="8" name="TextBox 7"/>
+          <p:cNvSpPr txBox="1"/>
+          <p:nvPr/>
+        </p:nvSpPr>
+        <p:spPr>
+          <a:xfrm>
+            <a:off x="3146519" y="2225448"/>
+            <a:ext cx="883511" cy="369332"/>
+          </a:xfrm>
+          <a:prstGeom prst="rect">
+            <a:avLst/>
+          </a:prstGeom>
+        </p:spPr>
+        <p:style>
+          <a:lnRef idx="2">
+            <a:schemeClr val="accent2">
+              <a:shade val="50000"/>
+            </a:schemeClr>
+          </a:lnRef>
+          <a:fillRef idx="1">
+            <a:schemeClr val="accent2"/>
+          </a:fillRef>
+          <a:effectRef idx="0">
+            <a:schemeClr val="accent2"/>
+          </a:effectRef>
+          <a:fontRef idx="minor">
+            <a:schemeClr val="lt1"/>
+          </a:fontRef>
+        </p:style>
+        <p:txBody>
+          <a:bodyPr wrap="square" rtlCol="0">
+            <a:spAutoFit/>
+          </a:bodyPr>
+          <a:lstStyle/>
+          <a:p>
+            <a:r>
+              <a:rPr lang="en-US" dirty="0" smtClean="0">
+                <a:solidFill>
+                  <a:srgbClr val="000000"/>
+                </a:solidFill>
+              </a:rPr>
+              <a:t>Chess</a:t>
+            </a:r>
+            <a:endParaRPr lang="en-US" dirty="0">
+              <a:solidFill>
+                <a:srgbClr val="000000"/>
+              </a:solidFill>
+            </a:endParaRPr>
+          </a:p>
+        </p:txBody>
+      </p:sp>
+      <p:sp>
+        <p:nvSpPr>
+          <p:cNvPr id="9" name="TextBox 8"/>
+          <p:cNvSpPr txBox="1"/>
+          <p:nvPr/>
+        </p:nvSpPr>
+        <p:spPr>
+          <a:xfrm>
+            <a:off x="6038755" y="2250671"/>
+            <a:ext cx="883511" cy="369332"/>
+          </a:xfrm>
+          <a:prstGeom prst="rect">
+            <a:avLst/>
+          </a:prstGeom>
+        </p:spPr>
+        <p:style>
+          <a:lnRef idx="2">
+            <a:schemeClr val="accent2">
+              <a:shade val="50000"/>
+            </a:schemeClr>
+          </a:lnRef>
+          <a:fillRef idx="1">
+            <a:schemeClr val="accent2"/>
+          </a:fillRef>
+          <a:effectRef idx="0">
+            <a:schemeClr val="accent2"/>
+          </a:effectRef>
+          <a:fontRef idx="minor">
+            <a:schemeClr val="lt1"/>
+          </a:fontRef>
+        </p:style>
+        <p:txBody>
+          <a:bodyPr wrap="square" rtlCol="0">
+            <a:spAutoFit/>
+          </a:bodyPr>
+          <a:lstStyle/>
+          <a:p>
+            <a:r>
+              <a:rPr lang="en-US" dirty="0" err="1" smtClean="0">
+                <a:solidFill>
+                  <a:srgbClr val="000000"/>
+                </a:solidFill>
+              </a:rPr>
+              <a:t>Allpair</a:t>
+            </a:r>
+            <a:endParaRPr lang="en-US" dirty="0">
+              <a:solidFill>
+                <a:srgbClr val="000000"/>
+              </a:solidFill>
+            </a:endParaRPr>
+          </a:p>
+        </p:txBody>
+      </p:sp>
+      <p:pic>
+        <p:nvPicPr>
+          <p:cNvPr id="10" name="Picture 9" descr="螢幕快照 2012-06-21 上午3.33.43.png"/>
+          <p:cNvPicPr>
+            <a:picLocks noChangeAspect="1"/>
+          </p:cNvPicPr>
+          <p:nvPr/>
+        </p:nvPicPr>
+        <p:blipFill>
+          <a:blip r:embed="rId2">
+            <a:extLst>
+              <a:ext uri="{28A0092B-C50C-407E-A947-70E740481C1C}">
+                <a14:useLocalDpi xmlns:a14="http://schemas.microsoft.com/office/drawing/2010/main" val="0"/>
+              </a:ext>
+            </a:extLst>
+          </a:blip>
+          <a:stretch>
+            <a:fillRect/>
+          </a:stretch>
+        </p:blipFill>
+        <p:spPr>
+          <a:xfrm>
+            <a:off x="207073" y="2605892"/>
+            <a:ext cx="2789790" cy="2074253"/>
+          </a:xfrm>
+          <a:prstGeom prst="rect">
+            <a:avLst/>
+          </a:prstGeom>
+        </p:spPr>
+      </p:pic>
+      <p:pic>
+        <p:nvPicPr>
+          <p:cNvPr id="11" name="Picture 10" descr="螢幕快照 2012-06-21 上午3.33.53.png"/>
+          <p:cNvPicPr>
+            <a:picLocks noChangeAspect="1"/>
+          </p:cNvPicPr>
+          <p:nvPr/>
+        </p:nvPicPr>
+        <p:blipFill>
+          <a:blip r:embed="rId3">
+            <a:extLst>
+              <a:ext uri="{28A0092B-C50C-407E-A947-70E740481C1C}">
+                <a14:useLocalDpi xmlns:a14="http://schemas.microsoft.com/office/drawing/2010/main" val="0"/>
+              </a:ext>
+            </a:extLst>
+          </a:blip>
+          <a:stretch>
+            <a:fillRect/>
+          </a:stretch>
+        </p:blipFill>
+        <p:spPr>
+          <a:xfrm>
+            <a:off x="3132715" y="2605892"/>
+            <a:ext cx="2757723" cy="2074253"/>
+          </a:xfrm>
+          <a:prstGeom prst="rect">
+            <a:avLst/>
+          </a:prstGeom>
+        </p:spPr>
+      </p:pic>
+      <p:sp>
+        <p:nvSpPr>
+          <p:cNvPr id="13" name="Content Placeholder 12"/>
+          <p:cNvSpPr>
+            <a:spLocks noGrp="1"/>
+          </p:cNvSpPr>
+          <p:nvPr>
+            <p:ph idx="1"/>
+          </p:nvPr>
+        </p:nvSpPr>
+        <p:spPr/>
+        <p:txBody>
+          <a:bodyPr/>
+          <a:lstStyle/>
+          <a:p>
+            <a:endParaRPr lang="en-US" dirty="0"/>
+          </a:p>
+        </p:txBody>
+      </p:sp>
+      <p:pic>
+        <p:nvPicPr>
+          <p:cNvPr id="14" name="Picture 13" descr="螢幕快照 2012-06-21 上午3.39.40.png"/>
+          <p:cNvPicPr>
+            <a:picLocks noChangeAspect="1"/>
+          </p:cNvPicPr>
+          <p:nvPr/>
+        </p:nvPicPr>
+        <p:blipFill>
+          <a:blip r:embed="rId4">
+            <a:extLst>
+              <a:ext uri="{28A0092B-C50C-407E-A947-70E740481C1C}">
+                <a14:useLocalDpi xmlns:a14="http://schemas.microsoft.com/office/drawing/2010/main" val="0"/>
+              </a:ext>
+            </a:extLst>
+          </a:blip>
+          <a:stretch>
+            <a:fillRect/>
+          </a:stretch>
+        </p:blipFill>
+        <p:spPr>
+          <a:xfrm>
+            <a:off x="6038755" y="2608890"/>
+            <a:ext cx="2825590" cy="2085365"/>
+          </a:xfrm>
+          <a:prstGeom prst="rect">
+            <a:avLst/>
+          </a:prstGeom>
+        </p:spPr>
+      </p:pic>
+    </p:spTree>
+    <p:extLst>
+      <p:ext uri="{BB962C8B-B14F-4D97-AF65-F5344CB8AC3E}">
+        <p14:creationId xmlns:p14="http://schemas.microsoft.com/office/powerpoint/2010/main" val="1624967662"/>
+      </p:ext>
+    </p:extLst>
+  </p:cSld>
+  <p:clrMapOvr>
+    <a:masterClrMapping/>
+  </p:clrMapOvr>
+  <p:timing>
+    <p:tnLst>
+      <p:par>
+        <p:cTn xmlns:p14="http://schemas.microsoft.com/office/powerpoint/2010/main" id="1" dur="indefinite" restart="never" nodeType="tmRoot"/>
+      </p:par>
+    </p:tnLst>
+  </p:timing>
+</p:sld>
+</file>
+
+<file path=ppt/slides/slide18.xml><?xml version="1.0" encoding="utf-8"?>
+<p:sld xmlns:a="http://schemas.openxmlformats.org/drawingml/2006/main" xmlns:r="http://schemas.openxmlformats.org/officeDocument/2006/relationships" xmlns:p="http://schemas.openxmlformats.org/presentationml/2006/main">
+  <p:cSld>
+    <p:spTree>
+      <p:nvGrpSpPr>
+        <p:cNvPr id="1" name=""/>
+        <p:cNvGrpSpPr/>
+        <p:nvPr/>
+      </p:nvGrpSpPr>
+      <p:grpSpPr>
+        <a:xfrm>
+          <a:off x="0" y="0"/>
+          <a:ext cx="0" cy="0"/>
+          <a:chOff x="0" y="0"/>
+          <a:chExt cx="0" cy="0"/>
+        </a:xfrm>
+      </p:grpSpPr>
+      <p:sp>
+        <p:nvSpPr>
+          <p:cNvPr id="2" name="Title 1"/>
+          <p:cNvSpPr>
+            <a:spLocks noGrp="1"/>
+          </p:cNvSpPr>
+          <p:nvPr>
+            <p:ph type="title"/>
+          </p:nvPr>
+        </p:nvSpPr>
+        <p:spPr/>
+        <p:txBody>
+          <a:bodyPr/>
+          <a:lstStyle/>
+          <a:p>
+            <a:r>
+              <a:rPr lang="en-US" dirty="0" smtClean="0"/>
+              <a:t>Result - Evening</a:t>
+            </a:r>
+            <a:endParaRPr lang="en-US" dirty="0"/>
+          </a:p>
+        </p:txBody>
+      </p:sp>
+      <p:sp>
+        <p:nvSpPr>
+          <p:cNvPr id="3" name="Content Placeholder 2"/>
+          <p:cNvSpPr>
+            <a:spLocks noGrp="1"/>
+          </p:cNvSpPr>
+          <p:nvPr>
+            <p:ph idx="1"/>
+          </p:nvPr>
+        </p:nvSpPr>
+        <p:spPr/>
+        <p:txBody>
+          <a:bodyPr/>
+          <a:lstStyle/>
+          <a:p>
+            <a:endParaRPr lang="en-US" dirty="0"/>
+          </a:p>
+        </p:txBody>
+      </p:sp>
+      <p:pic>
+        <p:nvPicPr>
+          <p:cNvPr id="4" name="Picture 3" descr="螢幕快照 2012-06-21 上午3.17.59.png"/>
+          <p:cNvPicPr>
+            <a:picLocks noChangeAspect="1"/>
+          </p:cNvPicPr>
+          <p:nvPr/>
+        </p:nvPicPr>
+        <p:blipFill>
+          <a:blip r:embed="rId2">
+            <a:extLst>
+              <a:ext uri="{28A0092B-C50C-407E-A947-70E740481C1C}">
+                <a14:useLocalDpi xmlns:a14="http://schemas.microsoft.com/office/drawing/2010/main" val="0"/>
+              </a:ext>
+            </a:extLst>
+          </a:blip>
+          <a:stretch>
+            <a:fillRect/>
+          </a:stretch>
+        </p:blipFill>
+        <p:spPr>
+          <a:xfrm>
+            <a:off x="207073" y="2624051"/>
+            <a:ext cx="2804733" cy="2134575"/>
+          </a:xfrm>
+          <a:prstGeom prst="rect">
+            <a:avLst/>
+          </a:prstGeom>
+        </p:spPr>
+      </p:pic>
+      <p:pic>
+        <p:nvPicPr>
+          <p:cNvPr id="5" name="Picture 4" descr="螢幕快照 2012-06-21 上午3.18.11.png"/>
+          <p:cNvPicPr>
+            <a:picLocks noChangeAspect="1"/>
+          </p:cNvPicPr>
+          <p:nvPr/>
+        </p:nvPicPr>
+        <p:blipFill>
+          <a:blip r:embed="rId3">
+            <a:extLst>
+              <a:ext uri="{28A0092B-C50C-407E-A947-70E740481C1C}">
+                <a14:useLocalDpi xmlns:a14="http://schemas.microsoft.com/office/drawing/2010/main" val="0"/>
+              </a:ext>
+            </a:extLst>
+          </a:blip>
+          <a:stretch>
+            <a:fillRect/>
+          </a:stretch>
+        </p:blipFill>
+        <p:spPr>
+          <a:xfrm>
+            <a:off x="3146519" y="2624051"/>
+            <a:ext cx="2904015" cy="2134575"/>
+          </a:xfrm>
+          <a:prstGeom prst="rect">
+            <a:avLst/>
+          </a:prstGeom>
+        </p:spPr>
+      </p:pic>
+      <p:pic>
+        <p:nvPicPr>
+          <p:cNvPr id="6" name="Picture 5" descr="螢幕快照 2012-06-21 上午3.18.21.png"/>
+          <p:cNvPicPr>
+            <a:picLocks noChangeAspect="1"/>
+          </p:cNvPicPr>
+          <p:nvPr/>
+        </p:nvPicPr>
+        <p:blipFill>
+          <a:blip r:embed="rId4">
+            <a:extLst>
+              <a:ext uri="{28A0092B-C50C-407E-A947-70E740481C1C}">
+                <a14:useLocalDpi xmlns:a14="http://schemas.microsoft.com/office/drawing/2010/main" val="0"/>
+              </a:ext>
+            </a:extLst>
+          </a:blip>
+          <a:stretch>
+            <a:fillRect/>
+          </a:stretch>
+        </p:blipFill>
+        <p:spPr>
+          <a:xfrm>
+            <a:off x="6165754" y="2605892"/>
+            <a:ext cx="2854002" cy="2152734"/>
+          </a:xfrm>
+          <a:prstGeom prst="rect">
+            <a:avLst/>
+          </a:prstGeom>
+        </p:spPr>
+      </p:pic>
+      <p:sp>
+        <p:nvSpPr>
+          <p:cNvPr id="7" name="TextBox 6"/>
+          <p:cNvSpPr txBox="1"/>
+          <p:nvPr/>
+        </p:nvSpPr>
+        <p:spPr>
+          <a:xfrm>
+            <a:off x="207073" y="2236560"/>
+            <a:ext cx="980146" cy="369332"/>
+          </a:xfrm>
+          <a:prstGeom prst="rect">
+            <a:avLst/>
+          </a:prstGeom>
+        </p:spPr>
+        <p:style>
+          <a:lnRef idx="2">
+            <a:schemeClr val="accent2">
+              <a:shade val="50000"/>
+            </a:schemeClr>
+          </a:lnRef>
+          <a:fillRef idx="1">
+            <a:schemeClr val="accent2"/>
+          </a:fillRef>
+          <a:effectRef idx="0">
+            <a:schemeClr val="accent2"/>
+          </a:effectRef>
+          <a:fontRef idx="minor">
+            <a:schemeClr val="lt1"/>
+          </a:fontRef>
+        </p:style>
+        <p:txBody>
+          <a:bodyPr wrap="square" rtlCol="0">
+            <a:spAutoFit/>
+          </a:bodyPr>
+          <a:lstStyle/>
+          <a:p>
+            <a:r>
+              <a:rPr lang="en-US" dirty="0" smtClean="0">
+                <a:solidFill>
+                  <a:srgbClr val="000000"/>
+                </a:solidFill>
+              </a:rPr>
+              <a:t>Original</a:t>
+            </a:r>
+            <a:endParaRPr lang="en-US" dirty="0">
+              <a:solidFill>
+                <a:srgbClr val="000000"/>
+              </a:solidFill>
+            </a:endParaRPr>
+          </a:p>
+        </p:txBody>
+      </p:sp>
+      <p:sp>
+        <p:nvSpPr>
+          <p:cNvPr id="8" name="TextBox 7"/>
+          <p:cNvSpPr txBox="1"/>
+          <p:nvPr/>
+        </p:nvSpPr>
+        <p:spPr>
+          <a:xfrm>
+            <a:off x="3146519" y="2239254"/>
+            <a:ext cx="883511" cy="369332"/>
+          </a:xfrm>
+          <a:prstGeom prst="rect">
+            <a:avLst/>
+          </a:prstGeom>
+        </p:spPr>
+        <p:style>
+          <a:lnRef idx="2">
+            <a:schemeClr val="accent2">
+              <a:shade val="50000"/>
+            </a:schemeClr>
+          </a:lnRef>
+          <a:fillRef idx="1">
+            <a:schemeClr val="accent2"/>
+          </a:fillRef>
+          <a:effectRef idx="0">
+            <a:schemeClr val="accent2"/>
+          </a:effectRef>
+          <a:fontRef idx="minor">
+            <a:schemeClr val="lt1"/>
+          </a:fontRef>
+        </p:style>
+        <p:txBody>
+          <a:bodyPr wrap="square" rtlCol="0">
+            <a:spAutoFit/>
+          </a:bodyPr>
+          <a:lstStyle/>
+          <a:p>
+            <a:r>
+              <a:rPr lang="en-US" dirty="0" smtClean="0">
+                <a:solidFill>
+                  <a:srgbClr val="000000"/>
+                </a:solidFill>
+              </a:rPr>
+              <a:t>Chess</a:t>
+            </a:r>
+            <a:endParaRPr lang="en-US" dirty="0">
+              <a:solidFill>
+                <a:srgbClr val="000000"/>
+              </a:solidFill>
+            </a:endParaRPr>
+          </a:p>
+        </p:txBody>
+      </p:sp>
+      <p:sp>
+        <p:nvSpPr>
+          <p:cNvPr id="9" name="TextBox 8"/>
+          <p:cNvSpPr txBox="1"/>
+          <p:nvPr/>
+        </p:nvSpPr>
+        <p:spPr>
+          <a:xfrm>
+            <a:off x="6165754" y="2236560"/>
+            <a:ext cx="883511" cy="369332"/>
+          </a:xfrm>
+          <a:prstGeom prst="rect">
+            <a:avLst/>
+          </a:prstGeom>
+        </p:spPr>
+        <p:style>
+          <a:lnRef idx="2">
+            <a:schemeClr val="accent2">
+              <a:shade val="50000"/>
+            </a:schemeClr>
+          </a:lnRef>
+          <a:fillRef idx="1">
+            <a:schemeClr val="accent2"/>
+          </a:fillRef>
+          <a:effectRef idx="0">
+            <a:schemeClr val="accent2"/>
+          </a:effectRef>
+          <a:fontRef idx="minor">
+            <a:schemeClr val="lt1"/>
+          </a:fontRef>
+        </p:style>
+        <p:txBody>
+          <a:bodyPr wrap="square" rtlCol="0">
+            <a:spAutoFit/>
+          </a:bodyPr>
+          <a:lstStyle/>
+          <a:p>
+            <a:r>
+              <a:rPr lang="en-US" dirty="0" err="1" smtClean="0">
+                <a:solidFill>
+                  <a:srgbClr val="000000"/>
+                </a:solidFill>
+              </a:rPr>
+              <a:t>Allpair</a:t>
+            </a:r>
+            <a:endParaRPr lang="en-US" dirty="0">
+              <a:solidFill>
+                <a:srgbClr val="000000"/>
+              </a:solidFill>
+            </a:endParaRPr>
+          </a:p>
+        </p:txBody>
+      </p:sp>
+    </p:spTree>
+    <p:extLst>
+      <p:ext uri="{BB962C8B-B14F-4D97-AF65-F5344CB8AC3E}">
+        <p14:creationId xmlns:p14="http://schemas.microsoft.com/office/powerpoint/2010/main" val="1940541400"/>
+      </p:ext>
+    </p:extLst>
+  </p:cSld>
+  <p:clrMapOvr>
+    <a:masterClrMapping/>
+  </p:clrMapOvr>
+  <p:timing>
+    <p:tnLst>
+      <p:par>
+        <p:cTn xmlns:p14="http://schemas.microsoft.com/office/powerpoint/2010/main" id="1" dur="indefinite" restart="never" nodeType="tmRoot"/>
+      </p:par>
+    </p:tnLst>
+  </p:timing>
+</p:sld>
+</file>
+
+<file path=ppt/slides/slide19.xml><?xml version="1.0" encoding="utf-8"?>
+<p:sld xmlns:a="http://schemas.openxmlformats.org/drawingml/2006/main" xmlns:r="http://schemas.openxmlformats.org/officeDocument/2006/relationships" xmlns:p="http://schemas.openxmlformats.org/presentationml/2006/main">
+  <p:cSld>
+    <p:spTree>
+      <p:nvGrpSpPr>
+        <p:cNvPr id="1" name=""/>
+        <p:cNvGrpSpPr/>
+        <p:nvPr/>
+      </p:nvGrpSpPr>
+      <p:grpSpPr>
+        <a:xfrm>
+          <a:off x="0" y="0"/>
+          <a:ext cx="0" cy="0"/>
+          <a:chOff x="0" y="0"/>
+          <a:chExt cx="0" cy="0"/>
+        </a:xfrm>
+      </p:grpSpPr>
+      <p:sp>
+        <p:nvSpPr>
+          <p:cNvPr id="2" name="Title 1"/>
+          <p:cNvSpPr>
+            <a:spLocks noGrp="1"/>
+          </p:cNvSpPr>
+          <p:nvPr>
             <p:ph type="ctrTitle"/>
           </p:nvPr>
         </p:nvSpPr>
@@ -3985,7 +4927,7 @@
           <a:p>
             <a:r>
               <a:rPr lang="en-US" dirty="0" smtClean="0"/>
-              <a:t>Thank you</a:t>
+              <a:t>Conclusion</a:t>
             </a:r>
             <a:endParaRPr lang="en-US" dirty="0"/>
           </a:p>
@@ -4020,6 +4962,13 @@
   <p:clrMapOvr>
     <a:masterClrMapping/>
   </p:clrMapOvr>
+  <p:timing>
+    <p:tnLst>
+      <p:par>
+        <p:cTn xmlns:p14="http://schemas.microsoft.com/office/powerpoint/2010/main" id="1" dur="indefinite" restart="never" nodeType="tmRoot"/>
+      </p:par>
+    </p:tnLst>
+  </p:timing>
 </p:sld>
 </file>
 
@@ -4143,6 +5092,85 @@
   <p:clrMapOvr>
     <a:masterClrMapping/>
   </p:clrMapOvr>
+</p:sld>
+</file>
+
+<file path=ppt/slides/slide20.xml><?xml version="1.0" encoding="utf-8"?>
+<p:sld xmlns:a="http://schemas.openxmlformats.org/drawingml/2006/main" xmlns:r="http://schemas.openxmlformats.org/officeDocument/2006/relationships" xmlns:p="http://schemas.openxmlformats.org/presentationml/2006/main">
+  <p:cSld>
+    <p:spTree>
+      <p:nvGrpSpPr>
+        <p:cNvPr id="1" name=""/>
+        <p:cNvGrpSpPr/>
+        <p:nvPr/>
+      </p:nvGrpSpPr>
+      <p:grpSpPr>
+        <a:xfrm>
+          <a:off x="0" y="0"/>
+          <a:ext cx="0" cy="0"/>
+          <a:chOff x="0" y="0"/>
+          <a:chExt cx="0" cy="0"/>
+        </a:xfrm>
+      </p:grpSpPr>
+      <p:sp>
+        <p:nvSpPr>
+          <p:cNvPr id="2" name="Title 1"/>
+          <p:cNvSpPr>
+            <a:spLocks noGrp="1"/>
+          </p:cNvSpPr>
+          <p:nvPr>
+            <p:ph type="ctrTitle"/>
+          </p:nvPr>
+        </p:nvSpPr>
+        <p:spPr/>
+        <p:txBody>
+          <a:bodyPr/>
+          <a:lstStyle/>
+          <a:p>
+            <a:r>
+              <a:rPr lang="en-US" dirty="0" smtClean="0"/>
+              <a:t>Thank you</a:t>
+            </a:r>
+            <a:endParaRPr lang="en-US" dirty="0"/>
+          </a:p>
+        </p:txBody>
+      </p:sp>
+      <p:sp>
+        <p:nvSpPr>
+          <p:cNvPr id="3" name="Subtitle 2"/>
+          <p:cNvSpPr>
+            <a:spLocks noGrp="1"/>
+          </p:cNvSpPr>
+          <p:nvPr>
+            <p:ph type="subTitle" idx="1"/>
+          </p:nvPr>
+        </p:nvSpPr>
+        <p:spPr/>
+        <p:txBody>
+          <a:bodyPr/>
+          <a:lstStyle/>
+          <a:p>
+            <a:endParaRPr lang="en-US" dirty="0"/>
+          </a:p>
+        </p:txBody>
+      </p:sp>
+    </p:spTree>
+    <p:extLst>
+      <p:ext uri="{BB962C8B-B14F-4D97-AF65-F5344CB8AC3E}">
+        <p14:creationId xmlns:p14="http://schemas.microsoft.com/office/powerpoint/2010/main" val="1948975067"/>
+      </p:ext>
+    </p:extLst>
+  </p:cSld>
+  <p:clrMapOvr>
+    <a:masterClrMapping/>
+  </p:clrMapOvr>
+  <p:timing>
+    <p:tnLst>
+      <p:par>
+        <p:cTn xmlns:p14="http://schemas.microsoft.com/office/powerpoint/2010/main" id="1" dur="indefinite" restart="never" nodeType="tmRoot"/>
+      </p:par>
+    </p:tnLst>
+  </p:timing>
 </p:sld>
 </file>
 
